--- a/07News/06History/History.pptx
+++ b/07News/06History/History.pptx
@@ -9,27 +9,33 @@
     <p:sldMasterId id="2147483683" r:id="rId5"/>
   </p:sldMasterIdLst>
   <p:notesMasterIdLst>
-    <p:notesMasterId r:id="rId21"/>
+    <p:notesMasterId r:id="rId27"/>
   </p:notesMasterIdLst>
   <p:handoutMasterIdLst>
-    <p:handoutMasterId r:id="rId22"/>
+    <p:handoutMasterId r:id="rId28"/>
   </p:handoutMasterIdLst>
   <p:sldIdLst>
     <p:sldId id="603" r:id="rId6"/>
     <p:sldId id="2441" r:id="rId7"/>
-    <p:sldId id="2465" r:id="rId8"/>
-    <p:sldId id="2474" r:id="rId9"/>
-    <p:sldId id="2473" r:id="rId10"/>
-    <p:sldId id="2475" r:id="rId11"/>
-    <p:sldId id="2476" r:id="rId12"/>
+    <p:sldId id="2476" r:id="rId8"/>
+    <p:sldId id="2465" r:id="rId9"/>
+    <p:sldId id="2474" r:id="rId10"/>
+    <p:sldId id="2473" r:id="rId11"/>
+    <p:sldId id="2475" r:id="rId12"/>
     <p:sldId id="2477" r:id="rId13"/>
-    <p:sldId id="2468" r:id="rId14"/>
-    <p:sldId id="2478" r:id="rId15"/>
-    <p:sldId id="2479" r:id="rId16"/>
-    <p:sldId id="2467" r:id="rId17"/>
+    <p:sldId id="2467" r:id="rId14"/>
+    <p:sldId id="2468" r:id="rId15"/>
+    <p:sldId id="2478" r:id="rId16"/>
+    <p:sldId id="2479" r:id="rId17"/>
     <p:sldId id="2480" r:id="rId18"/>
     <p:sldId id="2472" r:id="rId19"/>
-    <p:sldId id="582" r:id="rId20"/>
+    <p:sldId id="2485" r:id="rId20"/>
+    <p:sldId id="2486" r:id="rId21"/>
+    <p:sldId id="2481" r:id="rId22"/>
+    <p:sldId id="2484" r:id="rId23"/>
+    <p:sldId id="2482" r:id="rId24"/>
+    <p:sldId id="2483" r:id="rId25"/>
+    <p:sldId id="582" r:id="rId26"/>
   </p:sldIdLst>
   <p:sldSz cx="12196763" cy="6858000"/>
   <p:notesSz cx="6858000" cy="9144000"/>
@@ -233,7 +239,7 @@
           <a:p>
             <a:fld id="{E8CF71B8-DF2A-2E41-BE66-2E18A767DA8A}" type="datetimeFigureOut">
               <a:rPr lang="en-US" smtClean="0"/>
-              <a:t>1/28/25</a:t>
+              <a:t>2/3/25</a:t>
             </a:fld>
             <a:endParaRPr lang="en-US"/>
           </a:p>
@@ -410,7 +416,7 @@
           <a:p>
             <a:fld id="{0DD60A27-BF12-6744-9E93-932A0E34D8BB}" type="datetimeFigureOut">
               <a:rPr lang="en-US" smtClean="0"/>
-              <a:t>1/28/25</a:t>
+              <a:t>2/3/25</a:t>
             </a:fld>
             <a:endParaRPr lang="en-US"/>
           </a:p>
@@ -1013,6 +1019,90 @@
 </p:notes>
 </file>
 
+<file path=ppt/notesSlides/notesSlide5.xml><?xml version="1.0" encoding="utf-8"?>
+<p:notes xmlns:a="http://schemas.openxmlformats.org/drawingml/2006/main" xmlns:r="http://schemas.openxmlformats.org/officeDocument/2006/relationships" xmlns:p="http://schemas.openxmlformats.org/presentationml/2006/main">
+  <p:cSld>
+    <p:spTree>
+      <p:nvGrpSpPr>
+        <p:cNvPr id="1" name=""/>
+        <p:cNvGrpSpPr/>
+        <p:nvPr/>
+      </p:nvGrpSpPr>
+      <p:grpSpPr>
+        <a:xfrm>
+          <a:off x="0" y="0"/>
+          <a:ext cx="0" cy="0"/>
+          <a:chOff x="0" y="0"/>
+          <a:chExt cx="0" cy="0"/>
+        </a:xfrm>
+      </p:grpSpPr>
+      <p:sp>
+        <p:nvSpPr>
+          <p:cNvPr id="2" name="幻灯片图像占位符 1"/>
+          <p:cNvSpPr>
+            <a:spLocks noGrp="1" noRot="1" noChangeAspect="1"/>
+          </p:cNvSpPr>
+          <p:nvPr>
+            <p:ph type="sldImg"/>
+          </p:nvPr>
+        </p:nvSpPr>
+        <p:spPr/>
+      </p:sp>
+      <p:sp>
+        <p:nvSpPr>
+          <p:cNvPr id="3" name="备注占位符 2"/>
+          <p:cNvSpPr>
+            <a:spLocks noGrp="1"/>
+          </p:cNvSpPr>
+          <p:nvPr>
+            <p:ph type="body" idx="1"/>
+          </p:nvPr>
+        </p:nvSpPr>
+        <p:spPr/>
+        <p:txBody>
+          <a:bodyPr/>
+          <a:lstStyle/>
+          <a:p>
+            <a:endParaRPr kumimoji="1" lang="zh-CN" altLang="en-US" dirty="0"/>
+          </a:p>
+        </p:txBody>
+      </p:sp>
+      <p:sp>
+        <p:nvSpPr>
+          <p:cNvPr id="4" name="灯片编号占位符 3"/>
+          <p:cNvSpPr>
+            <a:spLocks noGrp="1"/>
+          </p:cNvSpPr>
+          <p:nvPr>
+            <p:ph type="sldNum" sz="quarter" idx="5"/>
+          </p:nvPr>
+        </p:nvSpPr>
+        <p:spPr/>
+        <p:txBody>
+          <a:bodyPr/>
+          <a:lstStyle/>
+          <a:p>
+            <a:fld id="{17021A3A-000B-724D-82E6-58165F25070D}" type="slidenum">
+              <a:rPr kumimoji="1" lang="zh-CN" altLang="en-US" smtClean="0"/>
+              <a:t>19</a:t>
+            </a:fld>
+            <a:endParaRPr kumimoji="1" lang="zh-CN" altLang="en-US"/>
+          </a:p>
+        </p:txBody>
+      </p:sp>
+    </p:spTree>
+    <p:extLst>
+      <p:ext uri="{BB962C8B-B14F-4D97-AF65-F5344CB8AC3E}">
+        <p14:creationId xmlns:p14="http://schemas.microsoft.com/office/powerpoint/2010/main" val="3543179885"/>
+      </p:ext>
+    </p:extLst>
+  </p:cSld>
+  <p:clrMapOvr>
+    <a:masterClrMapping/>
+  </p:clrMapOvr>
+</p:notes>
+</file>
+
 <file path=ppt/slideLayouts/slideLayout1.xml><?xml version="1.0" encoding="utf-8"?>
 <p:sldLayout xmlns:a="http://schemas.openxmlformats.org/drawingml/2006/main" xmlns:r="http://schemas.openxmlformats.org/officeDocument/2006/relationships" xmlns:p="http://schemas.openxmlformats.org/presentationml/2006/main" preserve="1" userDrawn="1">
   <p:cSld name="1_自定义版式">
@@ -32356,11 +32446,39 @@
           <a:p>
             <a:r>
               <a:rPr lang="en-US" altLang="zh-CN" dirty="0"/>
-              <a:t>2019</a:t>
+              <a:t>2016</a:t>
             </a:r>
             <a:r>
               <a:rPr lang="zh-CN" altLang="en-US" dirty="0"/>
-              <a:t>年：边缘计算与 </a:t>
+              <a:t>年：</a:t>
+            </a:r>
+            <a:r>
+              <a:rPr lang="en" altLang="zh-CN" dirty="0"/>
+              <a:t>Google</a:t>
+            </a:r>
+            <a:r>
+              <a:rPr lang="zh-CN" altLang="en-US" dirty="0"/>
+              <a:t> 发布了专为机器学习设计的张量处理单元（</a:t>
+            </a:r>
+            <a:r>
+              <a:rPr lang="en" altLang="zh-CN" dirty="0"/>
+              <a:t>TPU</a:t>
+            </a:r>
+            <a:r>
+              <a:rPr lang="zh-CN" altLang="en" dirty="0"/>
+              <a:t>），</a:t>
+            </a:r>
+            <a:r>
+              <a:rPr lang="zh-CN" altLang="en-US" dirty="0"/>
+              <a:t>用于加速神经网络的推理和训练。</a:t>
+            </a:r>
+            <a:r>
+              <a:rPr lang="en" altLang="zh-CN" dirty="0"/>
+              <a:t>TPU</a:t>
+            </a:r>
+            <a:r>
+              <a:rPr lang="zh-CN" altLang="en-US" dirty="0"/>
+              <a:t> 显著提升了 </a:t>
             </a:r>
             <a:r>
               <a:rPr lang="en" altLang="zh-CN" dirty="0"/>
@@ -32368,15 +32486,23 @@
             </a:r>
             <a:r>
               <a:rPr lang="zh-CN" altLang="en-US" dirty="0"/>
-              <a:t> 芯片的普及。苹果推出 </a:t>
+              <a:t> 模型的训练效率，尤其是在 </a:t>
             </a:r>
             <a:r>
               <a:rPr lang="en" altLang="zh-CN" dirty="0"/>
-              <a:t>A14 Bionic</a:t>
+              <a:t>AlphaGo</a:t>
             </a:r>
             <a:r>
               <a:rPr lang="zh-CN" altLang="en-US" dirty="0"/>
-              <a:t> 芯片，专为边缘设备优化，支持 </a:t>
+              <a:t> 击败李世石的比赛中作为云服务器的执行硬件发挥了关键作用。</a:t>
+            </a:r>
+            <a:r>
+              <a:rPr lang="en" altLang="zh-CN" dirty="0"/>
+              <a:t> TPU</a:t>
+            </a:r>
+            <a:r>
+              <a:rPr lang="zh-CN" altLang="en-US" dirty="0"/>
+              <a:t> 的推出标志着 </a:t>
             </a:r>
             <a:r>
               <a:rPr lang="en" altLang="zh-CN" dirty="0"/>
@@ -32384,15 +32510,7 @@
             </a:r>
             <a:r>
               <a:rPr lang="zh-CN" altLang="en-US" dirty="0"/>
-              <a:t> 推理任务。同时，英伟达发布了 </a:t>
-            </a:r>
-            <a:r>
-              <a:rPr lang="en" altLang="zh-CN" dirty="0"/>
-              <a:t>Jetson AGX Xavier</a:t>
-            </a:r>
-            <a:r>
-              <a:rPr lang="zh-CN" altLang="en-US" dirty="0"/>
-              <a:t> 开发者套件，推动 </a:t>
+              <a:t> 专用芯片的崛起，为后续 </a:t>
             </a:r>
             <a:r>
               <a:rPr lang="en" altLang="zh-CN" dirty="0"/>
@@ -32400,31 +32518,7 @@
             </a:r>
             <a:r>
               <a:rPr lang="zh-CN" altLang="en-US" dirty="0"/>
-              <a:t> 在边缘计算中的应用。边缘 </a:t>
-            </a:r>
-            <a:r>
-              <a:rPr lang="en" altLang="zh-CN" dirty="0"/>
-              <a:t>AI</a:t>
-            </a:r>
-            <a:r>
-              <a:rPr lang="zh-CN" altLang="en-US" dirty="0"/>
-              <a:t> 芯片的兴起使得 </a:t>
-            </a:r>
-            <a:r>
-              <a:rPr lang="en" altLang="zh-CN" dirty="0"/>
-              <a:t>AI</a:t>
-            </a:r>
-            <a:r>
-              <a:rPr lang="zh-CN" altLang="en-US" dirty="0"/>
-              <a:t> 技术能够在智能手机、物联网设备等终端设备上运行，降低了数据传输延迟，提升了隐私保护能力。我们现在手机用到的大部分美颜、瘦腿、指纹解锁、人脸识别开锁等功能，都依赖于芯片内部的 </a:t>
-            </a:r>
-            <a:r>
-              <a:rPr lang="en-US" altLang="zh-CN" dirty="0"/>
-              <a:t>AI</a:t>
-            </a:r>
-            <a:r>
-              <a:rPr lang="zh-CN" altLang="en-US" dirty="0"/>
-              <a:t> 能力。</a:t>
+              <a:t> 芯片的设计提供了重要参考，包括国产的昇腾、寒武纪、壁仞、遂源等。</a:t>
             </a:r>
           </a:p>
           <a:p>
@@ -32433,11 +32527,19 @@
           <a:p>
             <a:r>
               <a:rPr lang="en-US" altLang="zh-CN" dirty="0"/>
-              <a:t>2021</a:t>
+              <a:t>2017</a:t>
             </a:r>
             <a:r>
               <a:rPr lang="zh-CN" altLang="en-US" dirty="0"/>
-              <a:t>年：专用</a:t>
+              <a:t>年：</a:t>
+            </a:r>
+            <a:r>
+              <a:rPr lang="en" altLang="zh-CN" dirty="0"/>
+              <a:t>NVIDIA Volta</a:t>
+            </a:r>
+            <a:r>
+              <a:rPr lang="zh-CN" altLang="en-US" dirty="0"/>
+              <a:t> 架构发布与 </a:t>
             </a:r>
             <a:r>
               <a:rPr lang="en" altLang="zh-CN" dirty="0"/>
@@ -32445,7 +32547,71 @@
             </a:r>
             <a:r>
               <a:rPr lang="zh-CN" altLang="en-US" dirty="0"/>
-              <a:t>芯片的多样化。华为发布昇腾 </a:t>
+              <a:t> 芯片元年。</a:t>
+            </a:r>
+            <a:r>
+              <a:rPr lang="en" altLang="zh-CN" dirty="0"/>
+              <a:t>NVIDIA</a:t>
+            </a:r>
+            <a:r>
+              <a:rPr lang="zh-CN" altLang="en-US" dirty="0"/>
+              <a:t> 发布了 </a:t>
+            </a:r>
+            <a:r>
+              <a:rPr lang="en" altLang="zh-CN" dirty="0"/>
+              <a:t>Volta</a:t>
+            </a:r>
+            <a:r>
+              <a:rPr lang="zh-CN" altLang="en-US" dirty="0"/>
+              <a:t> 架构的</a:t>
+            </a:r>
+            <a:r>
+              <a:rPr lang="en" altLang="zh-CN" dirty="0"/>
+              <a:t>GPU</a:t>
+            </a:r>
+            <a:r>
+              <a:rPr lang="zh-CN" altLang="en-US" dirty="0"/>
+              <a:t> </a:t>
+            </a:r>
+            <a:r>
+              <a:rPr lang="en-US" altLang="zh-CN" dirty="0"/>
+              <a:t>V100</a:t>
+            </a:r>
+            <a:r>
+              <a:rPr lang="zh-CN" altLang="en" dirty="0"/>
+              <a:t>，</a:t>
+            </a:r>
+            <a:r>
+              <a:rPr lang="zh-CN" altLang="en-US" dirty="0"/>
+              <a:t>首次引入 </a:t>
+            </a:r>
+            <a:r>
+              <a:rPr lang="en" altLang="zh-CN" dirty="0"/>
+              <a:t>Tensor Core</a:t>
+            </a:r>
+            <a:r>
+              <a:rPr lang="zh-CN" altLang="en" dirty="0"/>
+              <a:t>，</a:t>
+            </a:r>
+            <a:r>
+              <a:rPr lang="zh-CN" altLang="en-US" dirty="0"/>
+              <a:t>专门优化深度学习任务中的矩阵运算。</a:t>
+            </a:r>
+            <a:r>
+              <a:rPr lang="en" altLang="zh-CN" dirty="0"/>
+              <a:t>NVIDIA</a:t>
+            </a:r>
+            <a:r>
+              <a:rPr lang="zh-CN" altLang="en-US" dirty="0"/>
+              <a:t> 也凭借其 </a:t>
+            </a:r>
+            <a:r>
+              <a:rPr lang="en" altLang="zh-CN" dirty="0"/>
+              <a:t>GPU</a:t>
+            </a:r>
+            <a:r>
+              <a:rPr lang="zh-CN" altLang="en-US" dirty="0"/>
+              <a:t> 在 </a:t>
             </a:r>
             <a:r>
               <a:rPr lang="en" altLang="zh-CN" dirty="0"/>
@@ -32453,7 +32619,7 @@
             </a:r>
             <a:r>
               <a:rPr lang="zh-CN" altLang="en-US" dirty="0"/>
-              <a:t> 处理器，专注于 </a:t>
+              <a:t> 芯片市场的领先地位，成为 </a:t>
             </a:r>
             <a:r>
               <a:rPr lang="en" altLang="zh-CN" dirty="0"/>
@@ -32461,19 +32627,25 @@
             </a:r>
             <a:r>
               <a:rPr lang="zh-CN" altLang="en-US" dirty="0"/>
-              <a:t> 推理和训练；谷歌推出 </a:t>
-            </a:r>
-            <a:r>
-              <a:rPr lang="en" altLang="zh-CN" dirty="0"/>
-              <a:t>TPU v4</a:t>
-            </a:r>
-            <a:r>
-              <a:rPr lang="zh-CN" altLang="en" dirty="0"/>
-              <a:t>，</a:t>
-            </a:r>
+              <a:t> 硬件领域的核心供应商。</a:t>
+            </a:r>
+            <a:r>
+              <a:rPr lang="en-US" altLang="zh-CN" dirty="0"/>
+              <a:t> </a:t>
+            </a:r>
+          </a:p>
+          <a:p>
             <a:r>
               <a:rPr lang="zh-CN" altLang="en-US" dirty="0"/>
-              <a:t>进一步提升</a:t>
+              <a:t>同时期，因为 </a:t>
+            </a:r>
+            <a:r>
+              <a:rPr lang="en-US" altLang="zh-CN" dirty="0"/>
+              <a:t>2017</a:t>
+            </a:r>
+            <a:r>
+              <a:rPr lang="zh-CN" altLang="en-US" dirty="0"/>
+              <a:t> 年各大科技公司纷纷布局</a:t>
             </a:r>
             <a:r>
               <a:rPr lang="en" altLang="zh-CN" dirty="0"/>
@@ -32481,23 +32653,7 @@
             </a:r>
             <a:r>
               <a:rPr lang="zh-CN" altLang="en-US" dirty="0"/>
-              <a:t>算力；英特尔 </a:t>
-            </a:r>
-            <a:r>
-              <a:rPr lang="en" altLang="zh-CN" dirty="0"/>
-              <a:t>Habana Labs</a:t>
-            </a:r>
-            <a:r>
-              <a:rPr lang="zh-CN" altLang="en-US" dirty="0"/>
-              <a:t> 发布 </a:t>
-            </a:r>
-            <a:r>
-              <a:rPr lang="en" altLang="zh-CN" dirty="0"/>
-              <a:t>Gaudi AI</a:t>
-            </a:r>
-            <a:r>
-              <a:rPr lang="zh-CN" altLang="en-US" dirty="0"/>
-              <a:t> 芯片。专用 </a:t>
+              <a:t>芯片，因此也被称为“</a:t>
             </a:r>
             <a:r>
               <a:rPr lang="en" altLang="zh-CN" dirty="0"/>
@@ -32505,23 +32661,85 @@
             </a:r>
             <a:r>
               <a:rPr lang="zh-CN" altLang="en-US" dirty="0"/>
-              <a:t> 芯片的多样化满足了不同场景的需求，从数据中心到边缘设备，</a:t>
-            </a:r>
-            <a:r>
-              <a:rPr lang="en" altLang="zh-CN" dirty="0"/>
-              <a:t>AI</a:t>
-            </a:r>
-            <a:r>
-              <a:rPr lang="zh-CN" altLang="en-US" dirty="0"/>
-              <a:t> 算力的分布更加均衡，推动了 </a:t>
-            </a:r>
-            <a:r>
-              <a:rPr lang="en" altLang="zh-CN" dirty="0"/>
-              <a:t>AI</a:t>
-            </a:r>
-            <a:r>
-              <a:rPr lang="zh-CN" altLang="en-US" dirty="0"/>
-              <a:t> 技术的普及。</a:t>
+              <a:t>芯片元年”。</a:t>
+            </a:r>
+          </a:p>
+        </p:txBody>
+      </p:sp>
+      <p:sp>
+        <p:nvSpPr>
+          <p:cNvPr id="3" name="文本框 2">
+            <a:extLst>
+              <a:ext uri="{FF2B5EF4-FFF2-40B4-BE49-F238E27FC236}">
+                <a16:creationId xmlns:a16="http://schemas.microsoft.com/office/drawing/2014/main" id="{436C8830-B05D-3FFF-6D40-1BB48AB015E1}"/>
+              </a:ext>
+            </a:extLst>
+          </p:cNvPr>
+          <p:cNvSpPr txBox="1"/>
+          <p:nvPr/>
+        </p:nvSpPr>
+        <p:spPr>
+          <a:xfrm>
+            <a:off x="3315468" y="1075104"/>
+            <a:ext cx="8271640" cy="276999"/>
+          </a:xfrm>
+          <a:prstGeom prst="rect">
+            <a:avLst/>
+          </a:prstGeom>
+          <a:noFill/>
+        </p:spPr>
+        <p:txBody>
+          <a:bodyPr wrap="square">
+            <a:spAutoFit/>
+          </a:bodyPr>
+          <a:lstStyle/>
+          <a:p>
+            <a:r>
+              <a:rPr lang="zh-CN" altLang="en-US" sz="1200" dirty="0">
+                <a:solidFill>
+                  <a:srgbClr val="0432FF"/>
+                </a:solidFill>
+              </a:rPr>
+              <a:t>https://www.youtube.com/watch?v=Ngk8D7f84oE&amp;pp=ygUKR29vZ2xlIFRQVQ%3D%3D</a:t>
+            </a:r>
+          </a:p>
+        </p:txBody>
+      </p:sp>
+      <p:sp>
+        <p:nvSpPr>
+          <p:cNvPr id="7" name="文本框 6">
+            <a:extLst>
+              <a:ext uri="{FF2B5EF4-FFF2-40B4-BE49-F238E27FC236}">
+                <a16:creationId xmlns:a16="http://schemas.microsoft.com/office/drawing/2014/main" id="{B255FB0D-BFE5-5550-707C-1F3CB6283B3D}"/>
+              </a:ext>
+            </a:extLst>
+          </p:cNvPr>
+          <p:cNvSpPr txBox="1"/>
+          <p:nvPr/>
+        </p:nvSpPr>
+        <p:spPr>
+          <a:xfrm>
+            <a:off x="3315468" y="3568664"/>
+            <a:ext cx="8271640" cy="276999"/>
+          </a:xfrm>
+          <a:prstGeom prst="rect">
+            <a:avLst/>
+          </a:prstGeom>
+          <a:noFill/>
+        </p:spPr>
+        <p:txBody>
+          <a:bodyPr wrap="square">
+            <a:spAutoFit/>
+          </a:bodyPr>
+          <a:lstStyle/>
+          <a:p>
+            <a:r>
+              <a:rPr lang="zh-CN" altLang="en-US" sz="1200" dirty="0">
+                <a:solidFill>
+                  <a:srgbClr val="0432FF"/>
+                </a:solidFill>
+              </a:rPr>
+              <a:t>https://www.youtube.com/watch?v=fM4JTm9E5os&amp;pp=ygUMTlZJRElBIFZvbHRh</a:t>
             </a:r>
           </a:p>
         </p:txBody>
@@ -32529,7 +32747,7 @@
     </p:spTree>
     <p:extLst>
       <p:ext uri="{BB962C8B-B14F-4D97-AF65-F5344CB8AC3E}">
-        <p14:creationId xmlns:p14="http://schemas.microsoft.com/office/powerpoint/2010/main" val="2446922627"/>
+        <p14:creationId xmlns:p14="http://schemas.microsoft.com/office/powerpoint/2010/main" val="1155874535"/>
       </p:ext>
     </p:extLst>
   </p:cSld>
@@ -32624,11 +32842,11 @@
           <a:p>
             <a:r>
               <a:rPr lang="en-US" altLang="zh-CN" dirty="0"/>
-              <a:t>2023</a:t>
+              <a:t>2019</a:t>
             </a:r>
             <a:r>
               <a:rPr lang="zh-CN" altLang="en-US" dirty="0"/>
-              <a:t>年：量子计算与 </a:t>
+              <a:t>年：边缘计算与 </a:t>
             </a:r>
             <a:r>
               <a:rPr lang="en" altLang="zh-CN" dirty="0"/>
@@ -32636,19 +32854,15 @@
             </a:r>
             <a:r>
               <a:rPr lang="zh-CN" altLang="en-US" dirty="0"/>
-              <a:t> 结合。谷歌发布量子芯片 </a:t>
+              <a:t> 芯片的普及。苹果推出 </a:t>
             </a:r>
             <a:r>
               <a:rPr lang="en" altLang="zh-CN" dirty="0"/>
-              <a:t>Willow</a:t>
-            </a:r>
-            <a:r>
-              <a:rPr lang="zh-CN" altLang="en" dirty="0"/>
-              <a:t>，</a:t>
+              <a:t>A14 Bionic</a:t>
             </a:r>
             <a:r>
               <a:rPr lang="zh-CN" altLang="en-US" dirty="0"/>
-              <a:t>探索量子计算在 </a:t>
+              <a:t> 芯片，专为边缘设备优化，支持 </a:t>
             </a:r>
             <a:r>
               <a:rPr lang="en" altLang="zh-CN" dirty="0"/>
@@ -32656,7 +32870,15 @@
             </a:r>
             <a:r>
               <a:rPr lang="zh-CN" altLang="en-US" dirty="0"/>
-              <a:t> 领域的应用潜力。量子计算与 </a:t>
+              <a:t> 推理任务。同时，英伟达发布了 </a:t>
+            </a:r>
+            <a:r>
+              <a:rPr lang="en" altLang="zh-CN" dirty="0"/>
+              <a:t>Jetson AGX Xavier</a:t>
+            </a:r>
+            <a:r>
+              <a:rPr lang="zh-CN" altLang="en-US" dirty="0"/>
+              <a:t> 开发者套件，推动 </a:t>
             </a:r>
             <a:r>
               <a:rPr lang="en" altLang="zh-CN" dirty="0"/>
@@ -32664,7 +32886,7 @@
             </a:r>
             <a:r>
               <a:rPr lang="zh-CN" altLang="en-US" dirty="0"/>
-              <a:t> 的结合为未来 </a:t>
+              <a:t> 在边缘计算中的应用。边缘 </a:t>
             </a:r>
             <a:r>
               <a:rPr lang="en" altLang="zh-CN" dirty="0"/>
@@ -32672,7 +32894,7 @@
             </a:r>
             <a:r>
               <a:rPr lang="zh-CN" altLang="en-US" dirty="0"/>
-              <a:t> 技术的发展提供了新的方向，尤其是在优化算法和解决复杂问题方面展现了巨大潜力，并且提供的高并行计算能力有望解决复杂 </a:t>
+              <a:t> 芯片的兴起使得 </a:t>
             </a:r>
             <a:r>
               <a:rPr lang="en" altLang="zh-CN" dirty="0"/>
@@ -32680,29 +32902,28 @@
             </a:r>
             <a:r>
               <a:rPr lang="zh-CN" altLang="en-US" dirty="0"/>
-              <a:t> 问题。</a:t>
-            </a:r>
+              <a:t> 技术能够在智能手机、物联网设备等终端设备上运行，降低了数据传输延迟，提升了隐私保护能力。我们现在手机用到的大部分美颜、瘦腿、指纹解锁、人脸识别开锁等功能，都依赖于芯片内部的 </a:t>
+            </a:r>
+            <a:r>
+              <a:rPr lang="en-US" altLang="zh-CN" dirty="0"/>
+              <a:t>AI</a:t>
+            </a:r>
+            <a:r>
+              <a:rPr lang="zh-CN" altLang="en-US" dirty="0"/>
+              <a:t> 能力。</a:t>
+            </a:r>
+          </a:p>
+          <a:p>
             <a:endParaRPr lang="en-US" altLang="zh-CN" dirty="0"/>
           </a:p>
           <a:p>
-            <a:endParaRPr lang="zh-CN" altLang="en-US" dirty="0"/>
-          </a:p>
-          <a:p>
             <a:r>
               <a:rPr lang="en-US" altLang="zh-CN" dirty="0"/>
-              <a:t>2024</a:t>
+              <a:t>2021</a:t>
             </a:r>
             <a:r>
               <a:rPr lang="zh-CN" altLang="en-US" dirty="0"/>
-              <a:t>年：英伟达 </a:t>
-            </a:r>
-            <a:r>
-              <a:rPr lang="en" altLang="zh-CN" dirty="0"/>
-              <a:t>Blackwell</a:t>
-            </a:r>
-            <a:r>
-              <a:rPr lang="zh-CN" altLang="en-US" dirty="0"/>
-              <a:t> 架构发布与 </a:t>
+              <a:t>年：专用</a:t>
             </a:r>
             <a:r>
               <a:rPr lang="en" altLang="zh-CN" dirty="0"/>
@@ -32710,19 +32931,27 @@
             </a:r>
             <a:r>
               <a:rPr lang="zh-CN" altLang="en-US" dirty="0"/>
-              <a:t> 芯片的新高度。英伟达发布基于 </a:t>
+              <a:t>芯片的多样化。华为发布昇腾 </a:t>
             </a:r>
             <a:r>
               <a:rPr lang="en" altLang="zh-CN" dirty="0"/>
-              <a:t>Blackwell</a:t>
+              <a:t>AI</a:t>
             </a:r>
             <a:r>
               <a:rPr lang="zh-CN" altLang="en-US" dirty="0"/>
-              <a:t> 架构的 </a:t>
+              <a:t> 处理器，专注于 </a:t>
             </a:r>
             <a:r>
               <a:rPr lang="en" altLang="zh-CN" dirty="0"/>
-              <a:t>B200</a:t>
+              <a:t>AI</a:t>
+            </a:r>
+            <a:r>
+              <a:rPr lang="zh-CN" altLang="en-US" dirty="0"/>
+              <a:t> 推理和训练；谷歌推出 </a:t>
+            </a:r>
+            <a:r>
+              <a:rPr lang="en" altLang="zh-CN" dirty="0"/>
+              <a:t>TPU v4</a:t>
             </a:r>
             <a:r>
               <a:rPr lang="zh-CN" altLang="en" dirty="0"/>
@@ -32730,23 +32959,7 @@
             </a:r>
             <a:r>
               <a:rPr lang="zh-CN" altLang="en-US" dirty="0"/>
-              <a:t>拥有 </a:t>
-            </a:r>
-            <a:r>
-              <a:rPr lang="en-US" altLang="zh-CN" dirty="0"/>
-              <a:t>2080</a:t>
-            </a:r>
-            <a:r>
-              <a:rPr lang="zh-CN" altLang="en-US" dirty="0"/>
-              <a:t> 亿个晶体管，推理能力是前代产品的 </a:t>
-            </a:r>
-            <a:r>
-              <a:rPr lang="en-US" altLang="zh-CN" dirty="0"/>
-              <a:t>30</a:t>
-            </a:r>
-            <a:r>
-              <a:rPr lang="zh-CN" altLang="en-US" dirty="0"/>
-              <a:t> 倍，被誉为“史上最强 </a:t>
+              <a:t>进一步提升</a:t>
             </a:r>
             <a:r>
               <a:rPr lang="en" altLang="zh-CN" dirty="0"/>
@@ -32754,27 +32967,23 @@
             </a:r>
             <a:r>
               <a:rPr lang="zh-CN" altLang="en-US" dirty="0"/>
-              <a:t> 芯片”，重点支持 </a:t>
-            </a:r>
-            <a:r>
-              <a:rPr lang="en-US" altLang="zh-CN" dirty="0"/>
-              <a:t>FP8</a:t>
+              <a:t>算力；英特尔 </a:t>
+            </a:r>
+            <a:r>
+              <a:rPr lang="en" altLang="zh-CN" dirty="0"/>
+              <a:t>Habana Labs</a:t>
             </a:r>
             <a:r>
               <a:rPr lang="zh-CN" altLang="en-US" dirty="0"/>
-              <a:t> 更多低精度格式的计算。</a:t>
-            </a:r>
-            <a:r>
-              <a:rPr lang="en-US" altLang="zh-CN" dirty="0"/>
-              <a:t>B</a:t>
-            </a:r>
-            <a:r>
-              <a:rPr lang="en" altLang="zh-CN" dirty="0" err="1"/>
-              <a:t>lackwell</a:t>
+              <a:t> 发布 </a:t>
+            </a:r>
+            <a:r>
+              <a:rPr lang="en" altLang="zh-CN" dirty="0"/>
+              <a:t>Gaudi AI</a:t>
             </a:r>
             <a:r>
               <a:rPr lang="zh-CN" altLang="en-US" dirty="0"/>
-              <a:t> 架构的推出进一步巩固了英伟达在 </a:t>
+              <a:t> 芯片。专用 </a:t>
             </a:r>
             <a:r>
               <a:rPr lang="en" altLang="zh-CN" dirty="0"/>
@@ -32782,7 +32991,7 @@
             </a:r>
             <a:r>
               <a:rPr lang="zh-CN" altLang="en-US" dirty="0"/>
-              <a:t> 芯片市场的领导地位，为生成式 </a:t>
+              <a:t> 芯片的多样化满足了不同场景的需求，从数据中心到边缘设备，</a:t>
             </a:r>
             <a:r>
               <a:rPr lang="en" altLang="zh-CN" dirty="0"/>
@@ -32790,7 +32999,93 @@
             </a:r>
             <a:r>
               <a:rPr lang="zh-CN" altLang="en-US" dirty="0"/>
-              <a:t> 和大模型训练提供了强大的硬件支持。</a:t>
+              <a:t> 算力的分布更加均衡，推动了 </a:t>
+            </a:r>
+            <a:r>
+              <a:rPr lang="en" altLang="zh-CN" dirty="0"/>
+              <a:t>AI</a:t>
+            </a:r>
+            <a:r>
+              <a:rPr lang="zh-CN" altLang="en-US" dirty="0"/>
+              <a:t> 技术的普及。</a:t>
+            </a:r>
+          </a:p>
+        </p:txBody>
+      </p:sp>
+      <p:sp>
+        <p:nvSpPr>
+          <p:cNvPr id="3" name="文本框 2">
+            <a:extLst>
+              <a:ext uri="{FF2B5EF4-FFF2-40B4-BE49-F238E27FC236}">
+                <a16:creationId xmlns:a16="http://schemas.microsoft.com/office/drawing/2014/main" id="{9443BF24-5E1D-110A-AB9C-9FF29D4B8565}"/>
+              </a:ext>
+            </a:extLst>
+          </p:cNvPr>
+          <p:cNvSpPr txBox="1"/>
+          <p:nvPr/>
+        </p:nvSpPr>
+        <p:spPr>
+          <a:xfrm>
+            <a:off x="2822028" y="1111979"/>
+            <a:ext cx="8271640" cy="276999"/>
+          </a:xfrm>
+          <a:prstGeom prst="rect">
+            <a:avLst/>
+          </a:prstGeom>
+          <a:noFill/>
+        </p:spPr>
+        <p:txBody>
+          <a:bodyPr wrap="square">
+            <a:spAutoFit/>
+          </a:bodyPr>
+          <a:lstStyle/>
+          <a:p>
+            <a:r>
+              <a:rPr lang="zh-CN" altLang="en-US" sz="1200" dirty="0">
+                <a:solidFill>
+                  <a:srgbClr val="0432FF"/>
+                </a:solidFill>
+              </a:rPr>
+              <a:t>https://www.youtube.com/watch?v=9bHzYeH_DjY&amp;pp=ygURYXBwbGUgQTE0IEJpb25pYyA%3D</a:t>
+            </a:r>
+          </a:p>
+        </p:txBody>
+      </p:sp>
+      <p:sp>
+        <p:nvSpPr>
+          <p:cNvPr id="7" name="文本框 6">
+            <a:extLst>
+              <a:ext uri="{FF2B5EF4-FFF2-40B4-BE49-F238E27FC236}">
+                <a16:creationId xmlns:a16="http://schemas.microsoft.com/office/drawing/2014/main" id="{28CDA20D-9839-C30D-3532-418D011B4349}"/>
+              </a:ext>
+            </a:extLst>
+          </p:cNvPr>
+          <p:cNvSpPr txBox="1"/>
+          <p:nvPr/>
+        </p:nvSpPr>
+        <p:spPr>
+          <a:xfrm>
+            <a:off x="2822028" y="3991331"/>
+            <a:ext cx="8271640" cy="276999"/>
+          </a:xfrm>
+          <a:prstGeom prst="rect">
+            <a:avLst/>
+          </a:prstGeom>
+          <a:noFill/>
+        </p:spPr>
+        <p:txBody>
+          <a:bodyPr wrap="square">
+            <a:spAutoFit/>
+          </a:bodyPr>
+          <a:lstStyle/>
+          <a:p>
+            <a:r>
+              <a:rPr lang="zh-CN" altLang="en-US" sz="1200" dirty="0">
+                <a:solidFill>
+                  <a:srgbClr val="0432FF"/>
+                </a:solidFill>
+              </a:rPr>
+              <a:t>https://www.youtube.com/watch?v=ZJXbQPDFVjo&amp;pp=ygUMSGFiYW5hIExhYnMg</a:t>
             </a:r>
           </a:p>
         </p:txBody>
@@ -32798,7 +33093,7 @@
     </p:spTree>
     <p:extLst>
       <p:ext uri="{BB962C8B-B14F-4D97-AF65-F5344CB8AC3E}">
-        <p14:creationId xmlns:p14="http://schemas.microsoft.com/office/powerpoint/2010/main" val="241211673"/>
+        <p14:creationId xmlns:p14="http://schemas.microsoft.com/office/powerpoint/2010/main" val="2446922627"/>
       </p:ext>
     </p:extLst>
   </p:cSld>
@@ -32842,7 +33137,7 @@
           <p:cNvPr id="6" name="标题 5">
             <a:extLst>
               <a:ext uri="{FF2B5EF4-FFF2-40B4-BE49-F238E27FC236}">
-                <a16:creationId xmlns:a16="http://schemas.microsoft.com/office/drawing/2014/main" id="{18B46FFF-EF87-5AD0-DB0C-15F09637D538}"/>
+                <a16:creationId xmlns:a16="http://schemas.microsoft.com/office/drawing/2014/main" id="{6C6337F5-1440-A042-DEC5-96FB3C7AB8C4}"/>
               </a:ext>
             </a:extLst>
           </p:cNvPr>
@@ -32870,7 +33165,7 @@
           <p:cNvPr id="5" name="内容占位符 4">
             <a:extLst>
               <a:ext uri="{FF2B5EF4-FFF2-40B4-BE49-F238E27FC236}">
-                <a16:creationId xmlns:a16="http://schemas.microsoft.com/office/drawing/2014/main" id="{FED5EB34-9717-56A7-CFC9-575F38BC4E5B}"/>
+                <a16:creationId xmlns:a16="http://schemas.microsoft.com/office/drawing/2014/main" id="{110E9744-4E0C-B457-1751-9CAD72C72080}"/>
               </a:ext>
             </a:extLst>
           </p:cNvPr>
@@ -32892,8 +33187,12 @@
           <a:lstStyle/>
           <a:p>
             <a:r>
+              <a:rPr lang="en-US" altLang="zh-CN" dirty="0"/>
+              <a:t>2023</a:t>
+            </a:r>
+            <a:r>
               <a:rPr lang="zh-CN" altLang="en-US" dirty="0"/>
-              <a:t>过去十年，全球科技巨头在 </a:t>
+              <a:t>年：量子计算与 </a:t>
             </a:r>
             <a:r>
               <a:rPr lang="en" altLang="zh-CN" dirty="0"/>
@@ -32901,7 +33200,19 @@
             </a:r>
             <a:r>
               <a:rPr lang="zh-CN" altLang="en-US" dirty="0"/>
-              <a:t> 芯片领域的竞争加剧，推动了技术的快速迭代和成本的降低，</a:t>
+              <a:t> 结合。谷歌发布量子芯片 </a:t>
+            </a:r>
+            <a:r>
+              <a:rPr lang="en" altLang="zh-CN" dirty="0"/>
+              <a:t>Willow</a:t>
+            </a:r>
+            <a:r>
+              <a:rPr lang="zh-CN" altLang="en" dirty="0"/>
+              <a:t>，</a:t>
+            </a:r>
+            <a:r>
+              <a:rPr lang="zh-CN" altLang="en-US" dirty="0"/>
+              <a:t>探索量子计算在 </a:t>
             </a:r>
             <a:r>
               <a:rPr lang="en" altLang="zh-CN" dirty="0"/>
@@ -32909,20 +33220,97 @@
             </a:r>
             <a:r>
               <a:rPr lang="zh-CN" altLang="en-US" dirty="0"/>
-              <a:t> 芯片逐渐成为科技行业的核心竞争力。</a:t>
-            </a:r>
-          </a:p>
-          <a:p>
+              <a:t> 领域的应用潜力。量子计算与 </a:t>
+            </a:r>
+            <a:r>
+              <a:rPr lang="en" altLang="zh-CN" dirty="0"/>
+              <a:t>AI</a:t>
+            </a:r>
+            <a:r>
+              <a:rPr lang="zh-CN" altLang="en-US" dirty="0"/>
+              <a:t> 的结合为未来 </a:t>
+            </a:r>
+            <a:r>
+              <a:rPr lang="en" altLang="zh-CN" dirty="0"/>
+              <a:t>AI</a:t>
+            </a:r>
+            <a:r>
+              <a:rPr lang="zh-CN" altLang="en-US" dirty="0"/>
+              <a:t> 技术的发展提供了新的方向，尤其是在优化算法和解决复杂问题方面展现了巨大潜力，并且提供的高并行计算能力有望解决复杂 </a:t>
+            </a:r>
+            <a:r>
+              <a:rPr lang="en" altLang="zh-CN" dirty="0"/>
+              <a:t>AI</a:t>
+            </a:r>
+            <a:r>
+              <a:rPr lang="zh-CN" altLang="en-US" dirty="0"/>
+              <a:t> 问题。</a:t>
+            </a:r>
             <a:endParaRPr lang="en-US" altLang="zh-CN" dirty="0"/>
           </a:p>
           <a:p>
+            <a:endParaRPr lang="zh-CN" altLang="en-US" dirty="0"/>
+          </a:p>
+          <a:p>
+            <a:r>
+              <a:rPr lang="en-US" altLang="zh-CN" dirty="0"/>
+              <a:t>2024</a:t>
+            </a:r>
+            <a:r>
+              <a:rPr lang="zh-CN" altLang="en-US" dirty="0"/>
+              <a:t>年：英伟达 </a:t>
+            </a:r>
+            <a:r>
+              <a:rPr lang="en" altLang="zh-CN" dirty="0"/>
+              <a:t>Blackwell</a:t>
+            </a:r>
+            <a:r>
+              <a:rPr lang="zh-CN" altLang="en-US" dirty="0"/>
+              <a:t> 架构发布与 </a:t>
+            </a:r>
             <a:r>
               <a:rPr lang="en" altLang="zh-CN" dirty="0"/>
               <a:t>AI</a:t>
             </a:r>
             <a:r>
               <a:rPr lang="zh-CN" altLang="en-US" dirty="0"/>
-              <a:t> 芯片和硬件的发展从专用芯片的崛起到边缘计算的普及，再到量子计算的探索，展现了技术的多样化和应用的广泛性。随着 </a:t>
+              <a:t> 芯片的新高度。英伟达发布基于 </a:t>
+            </a:r>
+            <a:r>
+              <a:rPr lang="en" altLang="zh-CN" dirty="0"/>
+              <a:t>Blackwell</a:t>
+            </a:r>
+            <a:r>
+              <a:rPr lang="zh-CN" altLang="en-US" dirty="0"/>
+              <a:t> 架构的 </a:t>
+            </a:r>
+            <a:r>
+              <a:rPr lang="en" altLang="zh-CN" dirty="0"/>
+              <a:t>B200</a:t>
+            </a:r>
+            <a:r>
+              <a:rPr lang="zh-CN" altLang="en" dirty="0"/>
+              <a:t>，</a:t>
+            </a:r>
+            <a:r>
+              <a:rPr lang="zh-CN" altLang="en-US" dirty="0"/>
+              <a:t>拥有 </a:t>
+            </a:r>
+            <a:r>
+              <a:rPr lang="en-US" altLang="zh-CN" dirty="0"/>
+              <a:t>2080</a:t>
+            </a:r>
+            <a:r>
+              <a:rPr lang="zh-CN" altLang="en-US" dirty="0"/>
+              <a:t> 亿个晶体管，推理能力是前代产品的 </a:t>
+            </a:r>
+            <a:r>
+              <a:rPr lang="en-US" altLang="zh-CN" dirty="0"/>
+              <a:t>30</a:t>
+            </a:r>
+            <a:r>
+              <a:rPr lang="zh-CN" altLang="en-US" dirty="0"/>
+              <a:t> 倍，被誉为“史上最强 </a:t>
             </a:r>
             <a:r>
               <a:rPr lang="en" altLang="zh-CN" dirty="0"/>
@@ -32930,7 +33318,27 @@
             </a:r>
             <a:r>
               <a:rPr lang="zh-CN" altLang="en-US" dirty="0"/>
-              <a:t> 技术的进一步发展，芯片和硬件继续扮演关键角色，推动 </a:t>
+              <a:t> 芯片”，重点支持 </a:t>
+            </a:r>
+            <a:r>
+              <a:rPr lang="en-US" altLang="zh-CN" dirty="0"/>
+              <a:t>FP8</a:t>
+            </a:r>
+            <a:r>
+              <a:rPr lang="zh-CN" altLang="en-US" dirty="0"/>
+              <a:t> 更多低精度格式的计算。</a:t>
+            </a:r>
+            <a:r>
+              <a:rPr lang="en-US" altLang="zh-CN" dirty="0"/>
+              <a:t>B</a:t>
+            </a:r>
+            <a:r>
+              <a:rPr lang="en" altLang="zh-CN" dirty="0" err="1"/>
+              <a:t>lackwell</a:t>
+            </a:r>
+            <a:r>
+              <a:rPr lang="zh-CN" altLang="en-US" dirty="0"/>
+              <a:t> 架构的推出进一步巩固了英伟达在 </a:t>
             </a:r>
             <a:r>
               <a:rPr lang="en" altLang="zh-CN" dirty="0"/>
@@ -32938,19 +33346,101 @@
             </a:r>
             <a:r>
               <a:rPr lang="zh-CN" altLang="en-US" dirty="0"/>
-              <a:t> 在更多领域的落地和应用。</a:t>
-            </a:r>
-            <a:br>
+              <a:t> 芯片市场的领导地位，为生成式 </a:t>
+            </a:r>
+            <a:r>
+              <a:rPr lang="en" altLang="zh-CN" dirty="0"/>
+              <a:t>AI</a:t>
+            </a:r>
+            <a:r>
               <a:rPr lang="zh-CN" altLang="en-US" dirty="0"/>
-            </a:br>
-            <a:endParaRPr lang="zh-CN" altLang="en-US" dirty="0"/>
+              <a:t> 和大模型训练提供了强大的硬件支持。</a:t>
+            </a:r>
+          </a:p>
+        </p:txBody>
+      </p:sp>
+      <p:sp>
+        <p:nvSpPr>
+          <p:cNvPr id="3" name="文本框 2">
+            <a:extLst>
+              <a:ext uri="{FF2B5EF4-FFF2-40B4-BE49-F238E27FC236}">
+                <a16:creationId xmlns:a16="http://schemas.microsoft.com/office/drawing/2014/main" id="{FCE3E2A1-A82C-A068-10FF-90B73F2B4C78}"/>
+              </a:ext>
+            </a:extLst>
+          </p:cNvPr>
+          <p:cNvSpPr txBox="1"/>
+          <p:nvPr/>
+        </p:nvSpPr>
+        <p:spPr>
+          <a:xfrm>
+            <a:off x="2927131" y="1111979"/>
+            <a:ext cx="8271640" cy="276999"/>
+          </a:xfrm>
+          <a:prstGeom prst="rect">
+            <a:avLst/>
+          </a:prstGeom>
+          <a:noFill/>
+        </p:spPr>
+        <p:txBody>
+          <a:bodyPr wrap="square">
+            <a:spAutoFit/>
+          </a:bodyPr>
+          <a:lstStyle/>
+          <a:p>
+            <a:r>
+              <a:rPr lang="zh-CN" altLang="en-US" sz="1200" dirty="0">
+                <a:solidFill>
+                  <a:srgbClr val="0432FF"/>
+                </a:solidFill>
+              </a:rPr>
+              <a:t>https://www.youtube.com/watch?v=W7ppd_RY-UE&amp;pp=ygUNZ29vZ2xlIFdpbGxvdw%3D%3D</a:t>
+            </a:r>
+          </a:p>
+        </p:txBody>
+      </p:sp>
+      <p:sp>
+        <p:nvSpPr>
+          <p:cNvPr id="7" name="文本框 6">
+            <a:extLst>
+              <a:ext uri="{FF2B5EF4-FFF2-40B4-BE49-F238E27FC236}">
+                <a16:creationId xmlns:a16="http://schemas.microsoft.com/office/drawing/2014/main" id="{817D3F46-4AD8-40B5-0902-1D30DBE9D61D}"/>
+              </a:ext>
+            </a:extLst>
+          </p:cNvPr>
+          <p:cNvSpPr txBox="1"/>
+          <p:nvPr/>
+        </p:nvSpPr>
+        <p:spPr>
+          <a:xfrm>
+            <a:off x="2927131" y="3152001"/>
+            <a:ext cx="8271640" cy="276999"/>
+          </a:xfrm>
+          <a:prstGeom prst="rect">
+            <a:avLst/>
+          </a:prstGeom>
+          <a:noFill/>
+        </p:spPr>
+        <p:txBody>
+          <a:bodyPr wrap="square">
+            <a:spAutoFit/>
+          </a:bodyPr>
+          <a:lstStyle/>
+          <a:p>
+            <a:r>
+              <a:rPr lang="zh-CN" altLang="en-US" sz="1200" dirty="0">
+                <a:solidFill>
+                  <a:srgbClr val="0432FF"/>
+                </a:solidFill>
+              </a:rPr>
+              <a:t>https://www.youtube.com/watch?v=kZRMshaNrSA&amp;pp=ygUPbnZpZGEgQmxhY2t3ZWxs</a:t>
+            </a:r>
           </a:p>
         </p:txBody>
       </p:sp>
     </p:spTree>
     <p:extLst>
       <p:ext uri="{BB962C8B-B14F-4D97-AF65-F5344CB8AC3E}">
-        <p14:creationId xmlns:p14="http://schemas.microsoft.com/office/powerpoint/2010/main" val="3729502309"/>
+        <p14:creationId xmlns:p14="http://schemas.microsoft.com/office/powerpoint/2010/main" val="241211673"/>
       </p:ext>
     </p:extLst>
   </p:cSld>
@@ -33036,7 +33526,7 @@
                 <a:latin typeface="PingFang SC Semibold" panose="020B0400000000000000" pitchFamily="34" charset="-122"/>
                 <a:ea typeface="PingFang SC Semibold" panose="020B0400000000000000" pitchFamily="34" charset="-122"/>
               </a:rPr>
-              <a:t>02</a:t>
+              <a:t>03</a:t>
             </a:r>
             <a:endParaRPr kumimoji="1" lang="zh-CN" altLang="en-US" sz="16600" b="1" dirty="0">
               <a:gradFill>
@@ -33145,10 +33635,10 @@
       </p:grpSpPr>
       <p:sp>
         <p:nvSpPr>
-          <p:cNvPr id="6" name="标题 5">
+          <p:cNvPr id="7" name="标题 6">
             <a:extLst>
               <a:ext uri="{FF2B5EF4-FFF2-40B4-BE49-F238E27FC236}">
-                <a16:creationId xmlns:a16="http://schemas.microsoft.com/office/drawing/2014/main" id="{F614204A-0FF8-B11C-43A6-23774689BD03}"/>
+                <a16:creationId xmlns:a16="http://schemas.microsoft.com/office/drawing/2014/main" id="{B724B255-5AF9-640C-9AA5-31A13E8BB3D2}"/>
               </a:ext>
             </a:extLst>
           </p:cNvPr>
@@ -33164,7 +33654,14 @@
           <a:bodyPr/>
           <a:lstStyle/>
           <a:p>
-            <a:endParaRPr lang="zh-CN" altLang="en-US"/>
+            <a:r>
+              <a:rPr lang="en" altLang="zh-CN" dirty="0"/>
+              <a:t>AI </a:t>
+            </a:r>
+            <a:r>
+              <a:rPr lang="zh-CN" altLang="en-US" dirty="0"/>
+              <a:t>四小龙</a:t>
+            </a:r>
           </a:p>
         </p:txBody>
       </p:sp>
@@ -33194,7 +33691,69 @@
           <a:bodyPr/>
           <a:lstStyle/>
           <a:p>
-            <a:endParaRPr lang="zh-CN" altLang="en-US" dirty="0"/>
+            <a:r>
+              <a:rPr lang="en" altLang="zh-CN" dirty="0"/>
+              <a:t>AI </a:t>
+            </a:r>
+            <a:r>
+              <a:rPr lang="zh-CN" altLang="en-US" dirty="0"/>
+              <a:t>四小龙（商汤科技、旷视科技、云从科技、依图科技）是中国 </a:t>
+            </a:r>
+            <a:r>
+              <a:rPr lang="en-US" altLang="zh-CN" dirty="0"/>
+              <a:t>AI</a:t>
+            </a:r>
+            <a:r>
+              <a:rPr lang="zh-CN" altLang="en-US" dirty="0"/>
+              <a:t> 领域的代表性企业，主要聚焦 </a:t>
+            </a:r>
+            <a:r>
+              <a:rPr lang="en-US" altLang="zh-CN" dirty="0"/>
+              <a:t>CV</a:t>
+            </a:r>
+            <a:r>
+              <a:rPr lang="zh-CN" altLang="en-US" dirty="0"/>
+              <a:t> 赛道。它们的兴起得益于深度学习技术的突破、资本的追捧以及安防、金融等行业的巨大需求。然而，四小龙也面临商业化落地难、技术同质化、盈利模式单一等问题，导致估值缩水、上市后股价表现不佳。</a:t>
+            </a:r>
+          </a:p>
+        </p:txBody>
+      </p:sp>
+      <p:sp>
+        <p:nvSpPr>
+          <p:cNvPr id="2" name="文本框 1">
+            <a:extLst>
+              <a:ext uri="{FF2B5EF4-FFF2-40B4-BE49-F238E27FC236}">
+                <a16:creationId xmlns:a16="http://schemas.microsoft.com/office/drawing/2014/main" id="{FDFF3C4F-7D49-F5CC-323E-B7175758916A}"/>
+              </a:ext>
+            </a:extLst>
+          </p:cNvPr>
+          <p:cNvSpPr txBox="1"/>
+          <p:nvPr/>
+        </p:nvSpPr>
+        <p:spPr>
+          <a:xfrm>
+            <a:off x="2380594" y="1111979"/>
+            <a:ext cx="8271640" cy="276999"/>
+          </a:xfrm>
+          <a:prstGeom prst="rect">
+            <a:avLst/>
+          </a:prstGeom>
+          <a:noFill/>
+        </p:spPr>
+        <p:txBody>
+          <a:bodyPr wrap="square">
+            <a:spAutoFit/>
+          </a:bodyPr>
+          <a:lstStyle/>
+          <a:p>
+            <a:r>
+              <a:rPr lang="zh-CN" altLang="en-US" sz="1200" dirty="0">
+                <a:solidFill>
+                  <a:srgbClr val="0432FF"/>
+                </a:solidFill>
+              </a:rPr>
+              <a:t>https://www.youtube.com/watch?v=XaPwbmKZ3Bc&amp;pp=ygUUU2Vuc2VUaW1lIFRlY2hub2xvZ3k%3D</a:t>
+            </a:r>
           </a:p>
         </p:txBody>
       </p:sp>
@@ -33240,10 +33799,183 @@
           <a:chExt cx="0" cy="0"/>
         </a:xfrm>
       </p:grpSpPr>
+      <p:sp>
+        <p:nvSpPr>
+          <p:cNvPr id="7" name="标题 6">
+            <a:extLst>
+              <a:ext uri="{FF2B5EF4-FFF2-40B4-BE49-F238E27FC236}">
+                <a16:creationId xmlns:a16="http://schemas.microsoft.com/office/drawing/2014/main" id="{B724B255-5AF9-640C-9AA5-31A13E8BB3D2}"/>
+              </a:ext>
+            </a:extLst>
+          </p:cNvPr>
+          <p:cNvSpPr>
+            <a:spLocks noGrp="1"/>
+          </p:cNvSpPr>
+          <p:nvPr>
+            <p:ph type="title"/>
+          </p:nvPr>
+        </p:nvSpPr>
+        <p:spPr>
+          <a:xfrm>
+            <a:off x="623635" y="522789"/>
+            <a:ext cx="10963473" cy="589190"/>
+          </a:xfrm>
+        </p:spPr>
+        <p:txBody>
+          <a:bodyPr/>
+          <a:lstStyle/>
+          <a:p>
+            <a:r>
+              <a:rPr lang="en" altLang="zh-CN" dirty="0"/>
+              <a:t>AI </a:t>
+            </a:r>
+            <a:r>
+              <a:rPr lang="zh-CN" altLang="en-US" dirty="0"/>
+              <a:t>四小龙</a:t>
+            </a:r>
+          </a:p>
+        </p:txBody>
+      </p:sp>
+      <p:sp>
+        <p:nvSpPr>
+          <p:cNvPr id="5" name="内容占位符 4">
+            <a:extLst>
+              <a:ext uri="{FF2B5EF4-FFF2-40B4-BE49-F238E27FC236}">
+                <a16:creationId xmlns:a16="http://schemas.microsoft.com/office/drawing/2014/main" id="{BE9F6907-B2F3-385C-8D9E-9E58DB729D13}"/>
+              </a:ext>
+            </a:extLst>
+          </p:cNvPr>
+          <p:cNvSpPr>
+            <a:spLocks noGrp="1"/>
+          </p:cNvSpPr>
+          <p:nvPr>
+            <p:ph sz="half" idx="1"/>
+          </p:nvPr>
+        </p:nvSpPr>
+        <p:spPr>
+          <a:xfrm>
+            <a:off x="623635" y="1246909"/>
+            <a:ext cx="10963473" cy="5108171"/>
+          </a:xfrm>
+        </p:spPr>
+        <p:txBody>
+          <a:bodyPr/>
+          <a:lstStyle/>
+          <a:p>
+            <a:r>
+              <a:rPr lang="zh-CN" altLang="en-US" dirty="0"/>
+              <a:t>商汤科技自 </a:t>
+            </a:r>
+            <a:r>
+              <a:rPr lang="en-US" altLang="zh-CN" dirty="0"/>
+              <a:t>2014</a:t>
+            </a:r>
+            <a:r>
+              <a:rPr lang="zh-CN" altLang="en-US" dirty="0"/>
+              <a:t> 年成立以来，经历了从快速崛起、技术领先到面临困境、战略调整的复杂发展历程。其以人脸识别、视频分析等</a:t>
+            </a:r>
+            <a:r>
+              <a:rPr lang="en-US" altLang="zh-CN" dirty="0"/>
+              <a:t>CV</a:t>
+            </a:r>
+            <a:r>
+              <a:rPr lang="zh-CN" altLang="en-US" dirty="0"/>
+              <a:t> 技术起家，凭借强大的技术研发能力迅速成为中国“</a:t>
+            </a:r>
+            <a:r>
+              <a:rPr lang="en" altLang="zh-CN" dirty="0"/>
+              <a:t>AI</a:t>
+            </a:r>
+            <a:r>
+              <a:rPr lang="zh-CN" altLang="en-US" dirty="0"/>
+              <a:t>四小龙”之首，并在</a:t>
+            </a:r>
+            <a:r>
+              <a:rPr lang="en-US" altLang="zh-CN" dirty="0"/>
+              <a:t>2021</a:t>
+            </a:r>
+            <a:r>
+              <a:rPr lang="zh-CN" altLang="en-US" dirty="0"/>
+              <a:t>年成功在香港交易所上市。</a:t>
+            </a:r>
+            <a:endParaRPr lang="en-US" altLang="zh-CN" dirty="0"/>
+          </a:p>
+          <a:p>
+            <a:r>
+              <a:rPr lang="zh-CN" altLang="en-US" dirty="0"/>
+              <a:t>然而，近年来由于业务增长停滞、传统</a:t>
+            </a:r>
+            <a:r>
+              <a:rPr lang="en" altLang="zh-CN" dirty="0"/>
+              <a:t>AI</a:t>
+            </a:r>
+            <a:r>
+              <a:rPr lang="zh-CN" altLang="en-US" dirty="0"/>
+              <a:t>业务收入下滑以及持续亏损等问题，商汤科技市值大幅缩水，较上市时蒸发超过八成，</a:t>
+            </a:r>
+            <a:r>
+              <a:rPr lang="en-US" altLang="zh-CN" dirty="0"/>
+              <a:t>2024</a:t>
+            </a:r>
+            <a:r>
+              <a:rPr lang="zh-CN" altLang="en-US" dirty="0"/>
+              <a:t>年上半年亏损净额为</a:t>
+            </a:r>
+            <a:r>
+              <a:rPr lang="en-US" altLang="zh-CN" dirty="0"/>
+              <a:t>24.77</a:t>
+            </a:r>
+            <a:r>
+              <a:rPr lang="zh-CN" altLang="en-US" dirty="0"/>
+              <a:t>亿元。</a:t>
+            </a:r>
+            <a:endParaRPr lang="en-US" altLang="zh-CN" dirty="0"/>
+          </a:p>
+        </p:txBody>
+      </p:sp>
+      <p:sp>
+        <p:nvSpPr>
+          <p:cNvPr id="3" name="文本框 2">
+            <a:extLst>
+              <a:ext uri="{FF2B5EF4-FFF2-40B4-BE49-F238E27FC236}">
+                <a16:creationId xmlns:a16="http://schemas.microsoft.com/office/drawing/2014/main" id="{B2D6114C-AB8A-D8BE-D52B-B02E911D8A5F}"/>
+              </a:ext>
+            </a:extLst>
+          </p:cNvPr>
+          <p:cNvSpPr txBox="1"/>
+          <p:nvPr/>
+        </p:nvSpPr>
+        <p:spPr>
+          <a:xfrm>
+            <a:off x="2380594" y="1111979"/>
+            <a:ext cx="8271640" cy="276999"/>
+          </a:xfrm>
+          <a:prstGeom prst="rect">
+            <a:avLst/>
+          </a:prstGeom>
+          <a:noFill/>
+        </p:spPr>
+        <p:txBody>
+          <a:bodyPr wrap="square">
+            <a:spAutoFit/>
+          </a:bodyPr>
+          <a:lstStyle/>
+          <a:p>
+            <a:r>
+              <a:rPr lang="zh-CN" altLang="en-US" sz="1200" dirty="0">
+                <a:solidFill>
+                  <a:srgbClr val="0432FF"/>
+                </a:solidFill>
+              </a:rPr>
+              <a:t>https://www.youtube.com/watch?v=XaPwbmKZ3Bc&amp;pp=ygUUU2Vuc2VUaW1lIFRlY2hub2xvZ3k%3D</a:t>
+            </a:r>
+          </a:p>
+        </p:txBody>
+      </p:sp>
     </p:spTree>
     <p:extLst>
       <p:ext uri="{BB962C8B-B14F-4D97-AF65-F5344CB8AC3E}">
-        <p14:creationId xmlns:p14="http://schemas.microsoft.com/office/powerpoint/2010/main" val="996880118"/>
+        <p14:creationId xmlns:p14="http://schemas.microsoft.com/office/powerpoint/2010/main" val="1827904712"/>
       </p:ext>
     </p:extLst>
   </p:cSld>
@@ -33262,6 +33994,738 @@
       </p:transition>
     </mc:Fallback>
   </mc:AlternateContent>
+</p:sld>
+</file>
+
+<file path=ppt/slides/slide16.xml><?xml version="1.0" encoding="utf-8"?>
+<p:sld xmlns:a="http://schemas.openxmlformats.org/drawingml/2006/main" xmlns:r="http://schemas.openxmlformats.org/officeDocument/2006/relationships" xmlns:p="http://schemas.openxmlformats.org/presentationml/2006/main">
+  <p:cSld>
+    <p:spTree>
+      <p:nvGrpSpPr>
+        <p:cNvPr id="1" name=""/>
+        <p:cNvGrpSpPr/>
+        <p:nvPr/>
+      </p:nvGrpSpPr>
+      <p:grpSpPr>
+        <a:xfrm>
+          <a:off x="0" y="0"/>
+          <a:ext cx="0" cy="0"/>
+          <a:chOff x="0" y="0"/>
+          <a:chExt cx="0" cy="0"/>
+        </a:xfrm>
+      </p:grpSpPr>
+      <p:sp>
+        <p:nvSpPr>
+          <p:cNvPr id="7" name="标题 6">
+            <a:extLst>
+              <a:ext uri="{FF2B5EF4-FFF2-40B4-BE49-F238E27FC236}">
+                <a16:creationId xmlns:a16="http://schemas.microsoft.com/office/drawing/2014/main" id="{B724B255-5AF9-640C-9AA5-31A13E8BB3D2}"/>
+              </a:ext>
+            </a:extLst>
+          </p:cNvPr>
+          <p:cNvSpPr>
+            <a:spLocks noGrp="1"/>
+          </p:cNvSpPr>
+          <p:nvPr>
+            <p:ph type="title"/>
+          </p:nvPr>
+        </p:nvSpPr>
+        <p:spPr>
+          <a:xfrm>
+            <a:off x="623635" y="522789"/>
+            <a:ext cx="10963473" cy="589190"/>
+          </a:xfrm>
+        </p:spPr>
+        <p:txBody>
+          <a:bodyPr/>
+          <a:lstStyle/>
+          <a:p>
+            <a:r>
+              <a:rPr lang="en" altLang="zh-CN" dirty="0"/>
+              <a:t>AI </a:t>
+            </a:r>
+            <a:r>
+              <a:rPr lang="zh-CN" altLang="en-US" dirty="0"/>
+              <a:t>四小龙</a:t>
+            </a:r>
+          </a:p>
+        </p:txBody>
+      </p:sp>
+      <p:sp>
+        <p:nvSpPr>
+          <p:cNvPr id="5" name="内容占位符 4">
+            <a:extLst>
+              <a:ext uri="{FF2B5EF4-FFF2-40B4-BE49-F238E27FC236}">
+                <a16:creationId xmlns:a16="http://schemas.microsoft.com/office/drawing/2014/main" id="{BE9F6907-B2F3-385C-8D9E-9E58DB729D13}"/>
+              </a:ext>
+            </a:extLst>
+          </p:cNvPr>
+          <p:cNvSpPr>
+            <a:spLocks noGrp="1"/>
+          </p:cNvSpPr>
+          <p:nvPr>
+            <p:ph sz="half" idx="1"/>
+          </p:nvPr>
+        </p:nvSpPr>
+        <p:spPr>
+          <a:xfrm>
+            <a:off x="623635" y="1246909"/>
+            <a:ext cx="10963473" cy="5108171"/>
+          </a:xfrm>
+        </p:spPr>
+        <p:txBody>
+          <a:bodyPr/>
+          <a:lstStyle/>
+          <a:p>
+            <a:r>
+              <a:rPr lang="zh-CN" altLang="en-US" dirty="0"/>
+              <a:t>旷视自 </a:t>
+            </a:r>
+            <a:r>
+              <a:rPr lang="en-US" altLang="zh-CN" dirty="0"/>
+              <a:t>2011</a:t>
+            </a:r>
+            <a:r>
+              <a:rPr lang="zh-CN" altLang="en-US" dirty="0"/>
+              <a:t> 年成立以来，同样经历了从快速崛起、面临困境到战略转型的波折。早期凭借 </a:t>
+            </a:r>
+            <a:r>
+              <a:rPr lang="en" altLang="zh-CN" dirty="0"/>
+              <a:t>Face++</a:t>
+            </a:r>
+            <a:r>
+              <a:rPr lang="zh-CN" altLang="en-US" dirty="0"/>
+              <a:t> 平台在人脸识别领域取得先发优势，成功切入金融、安防等行业，</a:t>
+            </a:r>
+            <a:r>
+              <a:rPr lang="en-US" altLang="zh-CN" dirty="0"/>
+              <a:t>2016</a:t>
+            </a:r>
+            <a:r>
+              <a:rPr lang="zh-CN" altLang="en-US" dirty="0"/>
+              <a:t>年达到巅峰。然而，</a:t>
+            </a:r>
+            <a:r>
+              <a:rPr lang="en-US" altLang="zh-CN" dirty="0"/>
+              <a:t>2019</a:t>
+            </a:r>
+            <a:r>
+              <a:rPr lang="zh-CN" altLang="en-US" dirty="0"/>
+              <a:t> 年公司上市受阻，</a:t>
+            </a:r>
+            <a:r>
+              <a:rPr lang="en-US" altLang="zh-CN" dirty="0"/>
+              <a:t>AI</a:t>
+            </a:r>
+            <a:r>
+              <a:rPr lang="zh-CN" altLang="en-US" dirty="0"/>
+              <a:t> 业务也面临挑战。最后撤回科创板上市申请，相关技术人员也转到大模型 </a:t>
+            </a:r>
+            <a:r>
+              <a:rPr lang="en-US" altLang="zh-CN" dirty="0"/>
+              <a:t>6</a:t>
+            </a:r>
+            <a:r>
+              <a:rPr lang="zh-CN" altLang="en-US" dirty="0"/>
+              <a:t> 小虎里面。</a:t>
+            </a:r>
+            <a:endParaRPr lang="en-US" altLang="zh-CN" dirty="0"/>
+          </a:p>
+        </p:txBody>
+      </p:sp>
+      <p:sp>
+        <p:nvSpPr>
+          <p:cNvPr id="6" name="文本框 5">
+            <a:extLst>
+              <a:ext uri="{FF2B5EF4-FFF2-40B4-BE49-F238E27FC236}">
+                <a16:creationId xmlns:a16="http://schemas.microsoft.com/office/drawing/2014/main" id="{B3967280-F850-5975-FBB6-921FAE6F71CD}"/>
+              </a:ext>
+            </a:extLst>
+          </p:cNvPr>
+          <p:cNvSpPr txBox="1"/>
+          <p:nvPr/>
+        </p:nvSpPr>
+        <p:spPr>
+          <a:xfrm>
+            <a:off x="3189890" y="1075104"/>
+            <a:ext cx="8271640" cy="276999"/>
+          </a:xfrm>
+          <a:prstGeom prst="rect">
+            <a:avLst/>
+          </a:prstGeom>
+          <a:noFill/>
+        </p:spPr>
+        <p:txBody>
+          <a:bodyPr wrap="square">
+            <a:spAutoFit/>
+          </a:bodyPr>
+          <a:lstStyle/>
+          <a:p>
+            <a:r>
+              <a:rPr lang="zh-CN" altLang="en-US" sz="1200" dirty="0">
+                <a:solidFill>
+                  <a:srgbClr val="0432FF"/>
+                </a:solidFill>
+              </a:rPr>
+              <a:t>https://www.youtube.com/watch?v=0zqvw34AHVk&amp;t=81s&amp;pp=ygURTWVndmlpIFRlY2hub2xvZ3k%3D</a:t>
+            </a:r>
+          </a:p>
+        </p:txBody>
+      </p:sp>
+    </p:spTree>
+    <p:extLst>
+      <p:ext uri="{BB962C8B-B14F-4D97-AF65-F5344CB8AC3E}">
+        <p14:creationId xmlns:p14="http://schemas.microsoft.com/office/powerpoint/2010/main" val="2403352547"/>
+      </p:ext>
+    </p:extLst>
+  </p:cSld>
+  <p:clrMapOvr>
+    <a:masterClrMapping/>
+  </p:clrMapOvr>
+  <mc:AlternateContent xmlns:mc="http://schemas.openxmlformats.org/markup-compatibility/2006" xmlns:p159="http://schemas.microsoft.com/office/powerpoint/2015/09/main">
+    <mc:Choice Requires="p159">
+      <p:transition xmlns:p14="http://schemas.microsoft.com/office/powerpoint/2010/main" spd="slow" p14:dur="2000">
+        <p159:morph option="byObject"/>
+      </p:transition>
+    </mc:Choice>
+    <mc:Fallback xmlns="">
+      <p:transition spd="slow">
+        <p:fade/>
+      </p:transition>
+    </mc:Fallback>
+  </mc:AlternateContent>
+</p:sld>
+</file>
+
+<file path=ppt/slides/slide17.xml><?xml version="1.0" encoding="utf-8"?>
+<p:sld xmlns:a="http://schemas.openxmlformats.org/drawingml/2006/main" xmlns:r="http://schemas.openxmlformats.org/officeDocument/2006/relationships" xmlns:p="http://schemas.openxmlformats.org/presentationml/2006/main">
+  <p:cSld>
+    <p:spTree>
+      <p:nvGrpSpPr>
+        <p:cNvPr id="1" name=""/>
+        <p:cNvGrpSpPr/>
+        <p:nvPr/>
+      </p:nvGrpSpPr>
+      <p:grpSpPr>
+        <a:xfrm>
+          <a:off x="0" y="0"/>
+          <a:ext cx="0" cy="0"/>
+          <a:chOff x="0" y="0"/>
+          <a:chExt cx="0" cy="0"/>
+        </a:xfrm>
+      </p:grpSpPr>
+      <p:sp>
+        <p:nvSpPr>
+          <p:cNvPr id="8" name="标题 7">
+            <a:extLst>
+              <a:ext uri="{FF2B5EF4-FFF2-40B4-BE49-F238E27FC236}">
+                <a16:creationId xmlns:a16="http://schemas.microsoft.com/office/drawing/2014/main" id="{C4B37C85-4CDD-C467-8BE2-5B229C9F11F2}"/>
+              </a:ext>
+            </a:extLst>
+          </p:cNvPr>
+          <p:cNvSpPr>
+            <a:spLocks noGrp="1"/>
+          </p:cNvSpPr>
+          <p:nvPr>
+            <p:ph type="title"/>
+          </p:nvPr>
+        </p:nvSpPr>
+        <p:spPr/>
+        <p:txBody>
+          <a:bodyPr/>
+          <a:lstStyle/>
+          <a:p>
+            <a:r>
+              <a:rPr lang="zh-CN" altLang="en-US" dirty="0"/>
+              <a:t>大模型 </a:t>
+            </a:r>
+            <a:r>
+              <a:rPr lang="en-US" altLang="zh-CN" dirty="0"/>
+              <a:t>6</a:t>
+            </a:r>
+            <a:r>
+              <a:rPr lang="zh-CN" altLang="en-US" dirty="0"/>
+              <a:t> 小虎</a:t>
+            </a:r>
+          </a:p>
+        </p:txBody>
+      </p:sp>
+      <p:sp>
+        <p:nvSpPr>
+          <p:cNvPr id="3" name="内容占位符 2">
+            <a:extLst>
+              <a:ext uri="{FF2B5EF4-FFF2-40B4-BE49-F238E27FC236}">
+                <a16:creationId xmlns:a16="http://schemas.microsoft.com/office/drawing/2014/main" id="{3D5D219E-6812-9CAD-14D5-D5AC61A9C0DE}"/>
+              </a:ext>
+            </a:extLst>
+          </p:cNvPr>
+          <p:cNvSpPr>
+            <a:spLocks noGrp="1"/>
+          </p:cNvSpPr>
+          <p:nvPr>
+            <p:ph sz="half" idx="1"/>
+          </p:nvPr>
+        </p:nvSpPr>
+        <p:spPr>
+          <a:xfrm>
+            <a:off x="623635" y="1246909"/>
+            <a:ext cx="10963473" cy="5108171"/>
+          </a:xfrm>
+        </p:spPr>
+        <p:txBody>
+          <a:bodyPr/>
+          <a:lstStyle/>
+          <a:p>
+            <a:r>
+              <a:rPr lang="en-US" altLang="zh-CN" dirty="0"/>
+              <a:t>2023 </a:t>
+            </a:r>
+            <a:r>
+              <a:rPr lang="zh-CN" altLang="en-US" dirty="0"/>
+              <a:t>年是大模型元年，也是在 </a:t>
+            </a:r>
+            <a:r>
+              <a:rPr lang="en-US" altLang="zh-CN" dirty="0"/>
+              <a:t>2023 </a:t>
+            </a:r>
+            <a:r>
+              <a:rPr lang="zh-CN" altLang="en-US" dirty="0"/>
+              <a:t>年，国内形成了大模型“六小虎”的格局，主要包括百川智能、零一万物、智谱</a:t>
+            </a:r>
+            <a:r>
+              <a:rPr lang="en" altLang="zh-CN" dirty="0"/>
+              <a:t>AI</a:t>
+            </a:r>
+            <a:r>
+              <a:rPr lang="zh-CN" altLang="en" dirty="0"/>
+              <a:t>、</a:t>
+            </a:r>
+            <a:r>
+              <a:rPr lang="en" altLang="zh-CN" dirty="0" err="1"/>
+              <a:t>MiniMax</a:t>
+            </a:r>
+            <a:r>
+              <a:rPr lang="zh-CN" altLang="en" dirty="0"/>
+              <a:t>、</a:t>
+            </a:r>
+            <a:r>
+              <a:rPr lang="zh-CN" altLang="en-US" dirty="0"/>
+              <a:t>月之暗面与阶跃星辰，他们的发展现状呈现出多方面的特点：</a:t>
+            </a:r>
+          </a:p>
+          <a:p>
+            <a:r>
+              <a:rPr lang="zh-CN" altLang="en-US" b="1" dirty="0"/>
+              <a:t>技术瓶颈：</a:t>
+            </a:r>
+            <a:r>
+              <a:rPr lang="zh-CN" altLang="en-US" dirty="0"/>
+              <a:t>大模型技术发展从 </a:t>
+            </a:r>
+            <a:r>
+              <a:rPr lang="en-US" altLang="zh-CN" dirty="0"/>
+              <a:t>2024 </a:t>
+            </a:r>
+            <a:r>
+              <a:rPr lang="zh-CN" altLang="en-US" dirty="0"/>
+              <a:t>年进入深水区，迭代速度变慢，多模态仍处于攻坚早期。</a:t>
+            </a:r>
+            <a:r>
+              <a:rPr lang="en" altLang="zh-CN" dirty="0"/>
+              <a:t>OpenAI</a:t>
+            </a:r>
+            <a:r>
+              <a:rPr lang="zh-CN" altLang="en-US" dirty="0"/>
+              <a:t> 在 </a:t>
+            </a:r>
+            <a:r>
+              <a:rPr lang="en" altLang="zh-CN" dirty="0"/>
+              <a:t>GPT-4</a:t>
+            </a:r>
+            <a:r>
+              <a:rPr lang="zh-CN" altLang="en-US" dirty="0"/>
+              <a:t> 之后的技术报告不再公开，很多基础大模型厂商失去参考方向，现在主要靠开源牵引整体技术路线发展。</a:t>
+            </a:r>
+          </a:p>
+          <a:p>
+            <a:r>
+              <a:rPr lang="zh-CN" altLang="en-US" b="1" dirty="0"/>
+              <a:t>市场困境：</a:t>
+            </a:r>
+            <a:r>
+              <a:rPr lang="en-US" altLang="zh-CN" dirty="0"/>
+              <a:t>2024</a:t>
+            </a:r>
+            <a:r>
+              <a:rPr lang="zh-CN" altLang="en-US" dirty="0"/>
+              <a:t> 年下半年，六小虎的口碑急转直下，潜在买家减少，除了国资外，难得有其他潜在买家或者下一轮资本介入。在业务拓展方面，国内 </a:t>
+            </a:r>
+            <a:r>
+              <a:rPr lang="en" altLang="zh-CN" dirty="0"/>
+              <a:t>C</a:t>
+            </a:r>
+            <a:r>
+              <a:rPr lang="zh-CN" altLang="en-US" dirty="0"/>
+              <a:t> 端用户忠诚度不高，</a:t>
+            </a:r>
+            <a:r>
+              <a:rPr lang="en" altLang="zh-CN" dirty="0"/>
+              <a:t>B</a:t>
+            </a:r>
+            <a:r>
+              <a:rPr lang="zh-CN" altLang="en-US" dirty="0"/>
+              <a:t> 端市场盈利困难。</a:t>
+            </a:r>
+          </a:p>
+        </p:txBody>
+      </p:sp>
+    </p:spTree>
+    <p:extLst>
+      <p:ext uri="{BB962C8B-B14F-4D97-AF65-F5344CB8AC3E}">
+        <p14:creationId xmlns:p14="http://schemas.microsoft.com/office/powerpoint/2010/main" val="1546176085"/>
+      </p:ext>
+    </p:extLst>
+  </p:cSld>
+  <p:clrMapOvr>
+    <a:masterClrMapping/>
+  </p:clrMapOvr>
+  <mc:AlternateContent xmlns:mc="http://schemas.openxmlformats.org/markup-compatibility/2006" xmlns:p159="http://schemas.microsoft.com/office/powerpoint/2015/09/main">
+    <mc:Choice Requires="p159">
+      <p:transition xmlns:p14="http://schemas.microsoft.com/office/powerpoint/2010/main" spd="slow" p14:dur="2000">
+        <p159:morph option="byObject"/>
+      </p:transition>
+    </mc:Choice>
+    <mc:Fallback xmlns="">
+      <p:transition spd="slow">
+        <p:fade/>
+      </p:transition>
+    </mc:Fallback>
+  </mc:AlternateContent>
+</p:sld>
+</file>
+
+<file path=ppt/slides/slide18.xml><?xml version="1.0" encoding="utf-8"?>
+<p:sld xmlns:a="http://schemas.openxmlformats.org/drawingml/2006/main" xmlns:r="http://schemas.openxmlformats.org/officeDocument/2006/relationships" xmlns:p="http://schemas.openxmlformats.org/presentationml/2006/main">
+  <p:cSld>
+    <p:spTree>
+      <p:nvGrpSpPr>
+        <p:cNvPr id="1" name=""/>
+        <p:cNvGrpSpPr/>
+        <p:nvPr/>
+      </p:nvGrpSpPr>
+      <p:grpSpPr>
+        <a:xfrm>
+          <a:off x="0" y="0"/>
+          <a:ext cx="0" cy="0"/>
+          <a:chOff x="0" y="0"/>
+          <a:chExt cx="0" cy="0"/>
+        </a:xfrm>
+      </p:grpSpPr>
+      <p:sp>
+        <p:nvSpPr>
+          <p:cNvPr id="8" name="标题 7">
+            <a:extLst>
+              <a:ext uri="{FF2B5EF4-FFF2-40B4-BE49-F238E27FC236}">
+                <a16:creationId xmlns:a16="http://schemas.microsoft.com/office/drawing/2014/main" id="{C4B37C85-4CDD-C467-8BE2-5B229C9F11F2}"/>
+              </a:ext>
+            </a:extLst>
+          </p:cNvPr>
+          <p:cNvSpPr>
+            <a:spLocks noGrp="1"/>
+          </p:cNvSpPr>
+          <p:nvPr>
+            <p:ph type="title"/>
+          </p:nvPr>
+        </p:nvSpPr>
+        <p:spPr/>
+        <p:txBody>
+          <a:bodyPr/>
+          <a:lstStyle/>
+          <a:p>
+            <a:r>
+              <a:rPr lang="zh-CN" altLang="en-US" dirty="0"/>
+              <a:t>大模型 </a:t>
+            </a:r>
+            <a:r>
+              <a:rPr lang="en-US" altLang="zh-CN" dirty="0"/>
+              <a:t>6</a:t>
+            </a:r>
+            <a:r>
+              <a:rPr lang="zh-CN" altLang="en-US" dirty="0"/>
+              <a:t> 小虎</a:t>
+            </a:r>
+          </a:p>
+        </p:txBody>
+      </p:sp>
+      <p:sp>
+        <p:nvSpPr>
+          <p:cNvPr id="3" name="内容占位符 2">
+            <a:extLst>
+              <a:ext uri="{FF2B5EF4-FFF2-40B4-BE49-F238E27FC236}">
+                <a16:creationId xmlns:a16="http://schemas.microsoft.com/office/drawing/2014/main" id="{3D5D219E-6812-9CAD-14D5-D5AC61A9C0DE}"/>
+              </a:ext>
+            </a:extLst>
+          </p:cNvPr>
+          <p:cNvSpPr>
+            <a:spLocks noGrp="1"/>
+          </p:cNvSpPr>
+          <p:nvPr>
+            <p:ph sz="half" idx="1"/>
+          </p:nvPr>
+        </p:nvSpPr>
+        <p:spPr>
+          <a:xfrm>
+            <a:off x="623635" y="1246909"/>
+            <a:ext cx="10963473" cy="5108171"/>
+          </a:xfrm>
+        </p:spPr>
+        <p:txBody>
+          <a:bodyPr/>
+          <a:lstStyle/>
+          <a:p>
+            <a:r>
+              <a:rPr lang="zh-CN" altLang="en-US" b="1" dirty="0"/>
+              <a:t>市场竞争：</a:t>
+            </a:r>
+            <a:r>
+              <a:rPr lang="zh-CN" altLang="en-US" dirty="0"/>
+              <a:t>大厂如字节等开始强势崛起，利用流量、算法等优势，在</a:t>
+            </a:r>
+            <a:r>
+              <a:rPr lang="en" altLang="zh-CN" dirty="0"/>
+              <a:t>To B</a:t>
+            </a:r>
+            <a:r>
+              <a:rPr lang="zh-CN" altLang="en-US" dirty="0"/>
+              <a:t>和</a:t>
+            </a:r>
+            <a:r>
+              <a:rPr lang="en" altLang="zh-CN" dirty="0"/>
+              <a:t>To C</a:t>
+            </a:r>
+            <a:r>
+              <a:rPr lang="zh-CN" altLang="en-US" dirty="0"/>
+              <a:t>领域对六小虎形成碾压。</a:t>
+            </a:r>
+          </a:p>
+          <a:p>
+            <a:r>
+              <a:rPr lang="zh-CN" altLang="en-US" b="1" dirty="0"/>
+              <a:t>未来展望：</a:t>
+            </a:r>
+            <a:r>
+              <a:rPr lang="en-US" altLang="zh-CN" dirty="0"/>
+              <a:t>2025</a:t>
+            </a:r>
+            <a:r>
+              <a:rPr lang="zh-CN" altLang="en-US" dirty="0"/>
+              <a:t> 年以后，</a:t>
+            </a:r>
+            <a:r>
+              <a:rPr lang="en-US" altLang="zh-CN" dirty="0"/>
+              <a:t>ZOMI </a:t>
+            </a:r>
+            <a:r>
+              <a:rPr lang="zh-CN" altLang="en-US" dirty="0"/>
+              <a:t>预计基础模型企业进入赛道的难度将增大，新入局者很难拿到融资。未来的发展将主要集中在基础模型与行业的结合，寻找商业化落地的途径，因此大家预测 </a:t>
+            </a:r>
+            <a:r>
+              <a:rPr lang="en-US" altLang="zh-CN" dirty="0"/>
+              <a:t>2025 </a:t>
+            </a:r>
+            <a:r>
+              <a:rPr lang="zh-CN" altLang="en-US" dirty="0"/>
+              <a:t>年是 </a:t>
+            </a:r>
+            <a:r>
+              <a:rPr lang="en-US" altLang="zh-CN" dirty="0"/>
+              <a:t>AI</a:t>
+            </a:r>
+            <a:r>
+              <a:rPr lang="zh-CN" altLang="en-US" dirty="0"/>
+              <a:t> </a:t>
+            </a:r>
+            <a:r>
+              <a:rPr lang="en-US" altLang="zh-CN" dirty="0"/>
+              <a:t>Agent </a:t>
+            </a:r>
+            <a:r>
+              <a:rPr lang="zh-CN" altLang="en-US" dirty="0"/>
+              <a:t>的元年。</a:t>
+            </a:r>
+            <a:endParaRPr lang="en-US" altLang="zh-CN" dirty="0"/>
+          </a:p>
+          <a:p>
+            <a:r>
+              <a:rPr lang="zh-CN" altLang="en-US" dirty="0"/>
+              <a:t>但是</a:t>
+            </a:r>
+            <a:r>
+              <a:rPr lang="en-US" altLang="zh-CN" dirty="0"/>
+              <a:t> AI</a:t>
+            </a:r>
+            <a:r>
+              <a:rPr lang="zh-CN" altLang="en-US" dirty="0"/>
+              <a:t> </a:t>
+            </a:r>
+            <a:r>
+              <a:rPr lang="en-US" altLang="zh-CN" dirty="0"/>
+              <a:t>Agent </a:t>
+            </a:r>
+            <a:r>
+              <a:rPr lang="zh-CN" altLang="en-US" dirty="0"/>
+              <a:t>是什么？</a:t>
+            </a:r>
+            <a:r>
+              <a:rPr lang="en-US" altLang="zh-CN" dirty="0"/>
+              <a:t> AI</a:t>
+            </a:r>
+            <a:r>
+              <a:rPr lang="zh-CN" altLang="en-US" dirty="0"/>
+              <a:t> </a:t>
+            </a:r>
+            <a:r>
+              <a:rPr lang="en-US" altLang="zh-CN" dirty="0"/>
+              <a:t>Agent </a:t>
+            </a:r>
+            <a:r>
+              <a:rPr lang="zh-CN" altLang="en-US" dirty="0"/>
+              <a:t>怎么定义？</a:t>
+            </a:r>
+            <a:r>
+              <a:rPr lang="en-US" altLang="zh-CN" dirty="0"/>
+              <a:t> AI</a:t>
+            </a:r>
+            <a:r>
+              <a:rPr lang="zh-CN" altLang="en-US" dirty="0"/>
+              <a:t> </a:t>
+            </a:r>
+            <a:r>
+              <a:rPr lang="en-US" altLang="zh-CN" dirty="0"/>
+              <a:t>Agent </a:t>
+            </a:r>
+            <a:r>
+              <a:rPr lang="zh-CN" altLang="en-US" dirty="0"/>
+              <a:t>的技术路线跟 </a:t>
+            </a:r>
+            <a:r>
+              <a:rPr lang="en-US" altLang="zh-CN" dirty="0"/>
+              <a:t>RAG</a:t>
+            </a:r>
+            <a:r>
+              <a:rPr lang="zh-CN" altLang="en-US" dirty="0"/>
+              <a:t> 、</a:t>
+            </a:r>
+            <a:r>
+              <a:rPr lang="en-US" altLang="zh-CN" dirty="0"/>
+              <a:t>RL</a:t>
+            </a:r>
+            <a:r>
+              <a:rPr lang="zh-CN" altLang="en-US" dirty="0"/>
+              <a:t>、大模型之间的怎么结合？</a:t>
+            </a:r>
+          </a:p>
+        </p:txBody>
+      </p:sp>
+    </p:spTree>
+    <p:extLst>
+      <p:ext uri="{BB962C8B-B14F-4D97-AF65-F5344CB8AC3E}">
+        <p14:creationId xmlns:p14="http://schemas.microsoft.com/office/powerpoint/2010/main" val="184871748"/>
+      </p:ext>
+    </p:extLst>
+  </p:cSld>
+  <p:clrMapOvr>
+    <a:masterClrMapping/>
+  </p:clrMapOvr>
+  <mc:AlternateContent xmlns:mc="http://schemas.openxmlformats.org/markup-compatibility/2006" xmlns:p159="http://schemas.microsoft.com/office/powerpoint/2015/09/main">
+    <mc:Choice Requires="p159">
+      <p:transition xmlns:p14="http://schemas.microsoft.com/office/powerpoint/2010/main" spd="slow" p14:dur="2000">
+        <p159:morph option="byObject"/>
+      </p:transition>
+    </mc:Choice>
+    <mc:Fallback xmlns="">
+      <p:transition spd="slow">
+        <p:fade/>
+      </p:transition>
+    </mc:Fallback>
+  </mc:AlternateContent>
+</p:sld>
+</file>
+
+<file path=ppt/slides/slide19.xml><?xml version="1.0" encoding="utf-8"?>
+<p:sld xmlns:a="http://schemas.openxmlformats.org/drawingml/2006/main" xmlns:r="http://schemas.openxmlformats.org/officeDocument/2006/relationships" xmlns:p="http://schemas.openxmlformats.org/presentationml/2006/main">
+  <p:cSld>
+    <p:spTree>
+      <p:nvGrpSpPr>
+        <p:cNvPr id="1" name=""/>
+        <p:cNvGrpSpPr/>
+        <p:nvPr/>
+      </p:nvGrpSpPr>
+      <p:grpSpPr>
+        <a:xfrm>
+          <a:off x="0" y="0"/>
+          <a:ext cx="0" cy="0"/>
+          <a:chOff x="0" y="0"/>
+          <a:chExt cx="0" cy="0"/>
+        </a:xfrm>
+      </p:grpSpPr>
+      <p:sp>
+        <p:nvSpPr>
+          <p:cNvPr id="5" name="内容占位符 4">
+            <a:extLst>
+              <a:ext uri="{FF2B5EF4-FFF2-40B4-BE49-F238E27FC236}">
+                <a16:creationId xmlns:a16="http://schemas.microsoft.com/office/drawing/2014/main" id="{D04938AF-B47A-1764-AB7F-5185CDB78730}"/>
+              </a:ext>
+            </a:extLst>
+          </p:cNvPr>
+          <p:cNvSpPr>
+            <a:spLocks noGrp="1"/>
+          </p:cNvSpPr>
+          <p:nvPr>
+            <p:ph sz="half" idx="1"/>
+          </p:nvPr>
+        </p:nvSpPr>
+        <p:spPr>
+          <a:xfrm>
+            <a:off x="481757" y="2406869"/>
+            <a:ext cx="11161240" cy="3603651"/>
+          </a:xfrm>
+        </p:spPr>
+        <p:txBody>
+          <a:bodyPr>
+            <a:normAutofit/>
+          </a:bodyPr>
+          <a:lstStyle/>
+          <a:p>
+            <a:pPr algn="ctr" rtl="0">
+              <a:spcBef>
+                <a:spcPts val="1800"/>
+              </a:spcBef>
+              <a:spcAft>
+                <a:spcPts val="600"/>
+              </a:spcAft>
+            </a:pPr>
+            <a:r>
+              <a:rPr lang="zh-CN" altLang="en-US" dirty="0"/>
+              <a:t>总结</a:t>
+            </a:r>
+            <a:endParaRPr lang="en-US" altLang="zh-CN" dirty="0">
+              <a:latin typeface="Lexend" pitchFamily="2" charset="0"/>
+              <a:ea typeface="+mj-ea"/>
+            </a:endParaRPr>
+          </a:p>
+        </p:txBody>
+      </p:sp>
+    </p:spTree>
+    <p:extLst>
+      <p:ext uri="{BB962C8B-B14F-4D97-AF65-F5344CB8AC3E}">
+        <p14:creationId xmlns:p14="http://schemas.microsoft.com/office/powerpoint/2010/main" val="3311350653"/>
+      </p:ext>
+    </p:extLst>
+  </p:cSld>
+  <p:clrMapOvr>
+    <a:masterClrMapping/>
+  </p:clrMapOvr>
 </p:sld>
 </file>
 
@@ -33411,6 +34875,348 @@
 </p:sld>
 </file>
 
+<file path=ppt/slides/slide20.xml><?xml version="1.0" encoding="utf-8"?>
+<p:sld xmlns:a="http://schemas.openxmlformats.org/drawingml/2006/main" xmlns:r="http://schemas.openxmlformats.org/officeDocument/2006/relationships" xmlns:p="http://schemas.openxmlformats.org/presentationml/2006/main">
+  <p:cSld>
+    <p:spTree>
+      <p:nvGrpSpPr>
+        <p:cNvPr id="1" name=""/>
+        <p:cNvGrpSpPr/>
+        <p:nvPr/>
+      </p:nvGrpSpPr>
+      <p:grpSpPr>
+        <a:xfrm>
+          <a:off x="0" y="0"/>
+          <a:ext cx="0" cy="0"/>
+          <a:chOff x="0" y="0"/>
+          <a:chExt cx="0" cy="0"/>
+        </a:xfrm>
+      </p:grpSpPr>
+      <p:sp>
+        <p:nvSpPr>
+          <p:cNvPr id="7" name="标题 6">
+            <a:extLst>
+              <a:ext uri="{FF2B5EF4-FFF2-40B4-BE49-F238E27FC236}">
+                <a16:creationId xmlns:a16="http://schemas.microsoft.com/office/drawing/2014/main" id="{B724B255-5AF9-640C-9AA5-31A13E8BB3D2}"/>
+              </a:ext>
+            </a:extLst>
+          </p:cNvPr>
+          <p:cNvSpPr>
+            <a:spLocks noGrp="1"/>
+          </p:cNvSpPr>
+          <p:nvPr>
+            <p:ph type="title"/>
+          </p:nvPr>
+        </p:nvSpPr>
+        <p:spPr>
+          <a:xfrm>
+            <a:off x="623635" y="522789"/>
+            <a:ext cx="10963473" cy="589190"/>
+          </a:xfrm>
+        </p:spPr>
+        <p:txBody>
+          <a:bodyPr/>
+          <a:lstStyle/>
+          <a:p>
+            <a:r>
+              <a:rPr lang="en-US" altLang="zh-CN" dirty="0"/>
+              <a:t>xxx</a:t>
+            </a:r>
+            <a:endParaRPr lang="zh-CN" altLang="en-US" dirty="0"/>
+          </a:p>
+        </p:txBody>
+      </p:sp>
+      <p:sp>
+        <p:nvSpPr>
+          <p:cNvPr id="5" name="内容占位符 4">
+            <a:extLst>
+              <a:ext uri="{FF2B5EF4-FFF2-40B4-BE49-F238E27FC236}">
+                <a16:creationId xmlns:a16="http://schemas.microsoft.com/office/drawing/2014/main" id="{BE9F6907-B2F3-385C-8D9E-9E58DB729D13}"/>
+              </a:ext>
+            </a:extLst>
+          </p:cNvPr>
+          <p:cNvSpPr>
+            <a:spLocks noGrp="1"/>
+          </p:cNvSpPr>
+          <p:nvPr>
+            <p:ph sz="half" idx="1"/>
+          </p:nvPr>
+        </p:nvSpPr>
+        <p:spPr>
+          <a:xfrm>
+            <a:off x="623635" y="1246909"/>
+            <a:ext cx="10963473" cy="5108171"/>
+          </a:xfrm>
+        </p:spPr>
+        <p:txBody>
+          <a:bodyPr/>
+          <a:lstStyle/>
+          <a:p>
+            <a:r>
+              <a:rPr lang="zh-CN" altLang="en-US" dirty="0"/>
+              <a:t>过去 </a:t>
+            </a:r>
+            <a:r>
+              <a:rPr lang="en-US" altLang="zh-CN" dirty="0"/>
+              <a:t>10 </a:t>
+            </a:r>
+            <a:r>
+              <a:rPr lang="zh-CN" altLang="en-US" dirty="0"/>
+              <a:t>年，</a:t>
+            </a:r>
+            <a:r>
+              <a:rPr lang="en" altLang="zh-CN" dirty="0"/>
+              <a:t>AI </a:t>
+            </a:r>
+            <a:r>
+              <a:rPr lang="zh-CN" altLang="en-US" dirty="0"/>
+              <a:t>算法从深度学习（如 </a:t>
+            </a:r>
+            <a:r>
+              <a:rPr lang="en" altLang="zh-CN" dirty="0" err="1"/>
+              <a:t>AlexNet</a:t>
+            </a:r>
+            <a:r>
+              <a:rPr lang="zh-CN" altLang="en" dirty="0"/>
+              <a:t>、</a:t>
+            </a:r>
+            <a:r>
+              <a:rPr lang="en" altLang="zh-CN" dirty="0" err="1"/>
+              <a:t>ResNet</a:t>
+            </a:r>
+            <a:r>
+              <a:rPr lang="zh-CN" altLang="en" dirty="0"/>
+              <a:t>）</a:t>
+            </a:r>
+            <a:r>
+              <a:rPr lang="zh-CN" altLang="en-US" dirty="0"/>
+              <a:t>到 </a:t>
+            </a:r>
+            <a:r>
+              <a:rPr lang="en" altLang="zh-CN" dirty="0"/>
+              <a:t>Transformer </a:t>
+            </a:r>
+            <a:r>
+              <a:rPr lang="zh-CN" altLang="en-US" dirty="0"/>
+              <a:t>架构（如 </a:t>
+            </a:r>
+            <a:r>
+              <a:rPr lang="en" altLang="zh-CN" dirty="0"/>
+              <a:t>BERT</a:t>
+            </a:r>
+            <a:r>
+              <a:rPr lang="zh-CN" altLang="en" dirty="0"/>
+              <a:t>、</a:t>
+            </a:r>
+            <a:r>
+              <a:rPr lang="en" altLang="zh-CN" dirty="0"/>
+              <a:t>GPT</a:t>
+            </a:r>
+            <a:r>
+              <a:rPr lang="zh-CN" altLang="en" dirty="0"/>
+              <a:t>）</a:t>
+            </a:r>
+            <a:r>
+              <a:rPr lang="zh-CN" altLang="en-US" dirty="0"/>
+              <a:t>的突破，推动了自然语言处理、计算机视觉等领域的革命性进展，生成式 </a:t>
+            </a:r>
+            <a:r>
+              <a:rPr lang="en" altLang="zh-CN" dirty="0"/>
+              <a:t>AI</a:t>
+            </a:r>
+            <a:r>
+              <a:rPr lang="zh-CN" altLang="en" dirty="0"/>
+              <a:t>（</a:t>
+            </a:r>
+            <a:r>
+              <a:rPr lang="zh-CN" altLang="en-US" dirty="0"/>
+              <a:t>如 </a:t>
+            </a:r>
+            <a:r>
+              <a:rPr lang="en" altLang="zh-CN" dirty="0"/>
+              <a:t>ChatGPT</a:t>
+            </a:r>
+            <a:r>
+              <a:rPr lang="zh-CN" altLang="en" dirty="0"/>
+              <a:t>、</a:t>
+            </a:r>
+            <a:r>
+              <a:rPr lang="en" altLang="zh-CN" dirty="0"/>
+              <a:t>Stable Diffusion</a:t>
+            </a:r>
+            <a:r>
+              <a:rPr lang="zh-CN" altLang="en" dirty="0"/>
+              <a:t>）</a:t>
+            </a:r>
+            <a:r>
+              <a:rPr lang="zh-CN" altLang="en-US" dirty="0"/>
+              <a:t>成为新焦点。</a:t>
+            </a:r>
+          </a:p>
+          <a:p>
+            <a:br>
+              <a:rPr lang="zh-CN" altLang="en-US" dirty="0"/>
+            </a:br>
+            <a:r>
+              <a:rPr lang="en" altLang="zh-CN" dirty="0"/>
+              <a:t>AI </a:t>
+            </a:r>
+            <a:r>
+              <a:rPr lang="zh-CN" altLang="en-US" dirty="0"/>
+              <a:t>专用芯片（如 </a:t>
+            </a:r>
+            <a:r>
+              <a:rPr lang="en" altLang="zh-CN" dirty="0"/>
+              <a:t>GPU</a:t>
+            </a:r>
+            <a:r>
+              <a:rPr lang="zh-CN" altLang="en" dirty="0"/>
+              <a:t>、</a:t>
+            </a:r>
+            <a:r>
+              <a:rPr lang="en" altLang="zh-CN" dirty="0"/>
+              <a:t>TPU</a:t>
+            </a:r>
+            <a:r>
+              <a:rPr lang="zh-CN" altLang="en" dirty="0"/>
+              <a:t>、</a:t>
+            </a:r>
+            <a:r>
+              <a:rPr lang="en" altLang="zh-CN" dirty="0"/>
+              <a:t>NPU</a:t>
+            </a:r>
+            <a:r>
+              <a:rPr lang="zh-CN" altLang="en" dirty="0"/>
+              <a:t>）</a:t>
+            </a:r>
+            <a:r>
+              <a:rPr lang="zh-CN" altLang="en-US" dirty="0"/>
+              <a:t>快速发展，英伟达、谷歌、华为等公司推动算力大幅提升，支持更大规模模型训练和实时推理，边缘计算和低功耗芯片也逐渐普及。</a:t>
+            </a:r>
+            <a:endParaRPr lang="en-US" altLang="zh-CN" dirty="0"/>
+          </a:p>
+          <a:p>
+            <a:endParaRPr lang="en" altLang="zh-CN" dirty="0"/>
+          </a:p>
+          <a:p>
+            <a:r>
+              <a:rPr lang="en" altLang="zh-CN" dirty="0"/>
+              <a:t>AI </a:t>
+            </a:r>
+            <a:r>
+              <a:rPr lang="zh-CN" altLang="en-US" dirty="0"/>
+              <a:t>初创企业（如 </a:t>
+            </a:r>
+            <a:r>
+              <a:rPr lang="en" altLang="zh-CN" dirty="0"/>
+              <a:t>OpenAI</a:t>
+            </a:r>
+            <a:r>
+              <a:rPr lang="zh-CN" altLang="en" dirty="0"/>
+              <a:t>、</a:t>
+            </a:r>
+            <a:r>
+              <a:rPr lang="en" altLang="zh-CN" dirty="0"/>
+              <a:t> DeepMind</a:t>
+            </a:r>
+            <a:r>
+              <a:rPr lang="zh-CN" altLang="en-US" dirty="0"/>
+              <a:t>、幻方量化、商汤科技</a:t>
+            </a:r>
+            <a:r>
+              <a:rPr lang="zh-CN" altLang="en" dirty="0"/>
+              <a:t>）</a:t>
+            </a:r>
+            <a:r>
+              <a:rPr lang="zh-CN" altLang="en-US" dirty="0"/>
+              <a:t>在资本和技术红利下迅速崛起，推动 </a:t>
+            </a:r>
+            <a:r>
+              <a:rPr lang="en" altLang="zh-CN" dirty="0"/>
+              <a:t>AI </a:t>
+            </a:r>
+            <a:r>
+              <a:rPr lang="zh-CN" altLang="en-US" dirty="0"/>
+              <a:t>技术商业化落地，传统</a:t>
+            </a:r>
+            <a:r>
+              <a:rPr lang="en-US" altLang="zh-CN" dirty="0"/>
+              <a:t> AI </a:t>
+            </a:r>
+            <a:r>
+              <a:rPr lang="zh-CN" altLang="en-US" dirty="0"/>
+              <a:t>初创面临盈利压力和市场整合，行业进入理性发展阶段。而大模型初创则进入新一轮的竞争。</a:t>
+            </a:r>
+          </a:p>
+        </p:txBody>
+      </p:sp>
+    </p:spTree>
+    <p:extLst>
+      <p:ext uri="{BB962C8B-B14F-4D97-AF65-F5344CB8AC3E}">
+        <p14:creationId xmlns:p14="http://schemas.microsoft.com/office/powerpoint/2010/main" val="3227240002"/>
+      </p:ext>
+    </p:extLst>
+  </p:cSld>
+  <p:clrMapOvr>
+    <a:masterClrMapping/>
+  </p:clrMapOvr>
+  <mc:AlternateContent xmlns:mc="http://schemas.openxmlformats.org/markup-compatibility/2006" xmlns:p159="http://schemas.microsoft.com/office/powerpoint/2015/09/main">
+    <mc:Choice Requires="p159">
+      <p:transition xmlns:p14="http://schemas.microsoft.com/office/powerpoint/2010/main" spd="slow" p14:dur="2000">
+        <p159:morph option="byObject"/>
+      </p:transition>
+    </mc:Choice>
+    <mc:Fallback xmlns="">
+      <p:transition spd="slow">
+        <p:fade/>
+      </p:transition>
+    </mc:Fallback>
+  </mc:AlternateContent>
+</p:sld>
+</file>
+
+<file path=ppt/slides/slide21.xml><?xml version="1.0" encoding="utf-8"?>
+<p:sld xmlns:a="http://schemas.openxmlformats.org/drawingml/2006/main" xmlns:r="http://schemas.openxmlformats.org/officeDocument/2006/relationships" xmlns:p="http://schemas.openxmlformats.org/presentationml/2006/main">
+  <p:cSld>
+    <p:spTree>
+      <p:nvGrpSpPr>
+        <p:cNvPr id="1" name=""/>
+        <p:cNvGrpSpPr/>
+        <p:nvPr/>
+      </p:nvGrpSpPr>
+      <p:grpSpPr>
+        <a:xfrm>
+          <a:off x="0" y="0"/>
+          <a:ext cx="0" cy="0"/>
+          <a:chOff x="0" y="0"/>
+          <a:chExt cx="0" cy="0"/>
+        </a:xfrm>
+      </p:grpSpPr>
+    </p:spTree>
+    <p:extLst>
+      <p:ext uri="{BB962C8B-B14F-4D97-AF65-F5344CB8AC3E}">
+        <p14:creationId xmlns:p14="http://schemas.microsoft.com/office/powerpoint/2010/main" val="996880118"/>
+      </p:ext>
+    </p:extLst>
+  </p:cSld>
+  <p:clrMapOvr>
+    <a:masterClrMapping/>
+  </p:clrMapOvr>
+  <mc:AlternateContent xmlns:mc="http://schemas.openxmlformats.org/markup-compatibility/2006" xmlns:p159="http://schemas.microsoft.com/office/powerpoint/2015/09/main">
+    <mc:Choice Requires="p159">
+      <p:transition xmlns:p14="http://schemas.microsoft.com/office/powerpoint/2010/main" spd="slow" p14:dur="2000">
+        <p159:morph option="byObject"/>
+      </p:transition>
+    </mc:Choice>
+    <mc:Fallback xmlns="">
+      <p:transition spd="slow">
+        <p:fade/>
+      </p:transition>
+    </mc:Fallback>
+  </mc:AlternateContent>
+</p:sld>
+</file>
+
 <file path=ppt/slides/slide3.xml><?xml version="1.0" encoding="utf-8"?>
 <p:sld xmlns:a="http://schemas.openxmlformats.org/drawingml/2006/main" xmlns:r="http://schemas.openxmlformats.org/officeDocument/2006/relationships" xmlns:p="http://schemas.openxmlformats.org/presentationml/2006/main">
   <p:cSld>
@@ -33488,126 +35294,32 @@
           <a:lstStyle/>
           <a:p>
             <a:r>
+              <a:rPr lang="zh-CN" altLang="en-US" dirty="0"/>
+              <a:t>因为深度学习算法后面的发展越来越快，直接碾压其他机器学习算法，因此现在谈到的</a:t>
+            </a:r>
+            <a:r>
               <a:rPr lang="en-US" altLang="zh-CN" dirty="0"/>
-              <a:t>2012</a:t>
+              <a:t> AI </a:t>
             </a:r>
             <a:r>
               <a:rPr lang="zh-CN" altLang="en-US" dirty="0"/>
-              <a:t>年：</a:t>
-            </a:r>
-            <a:r>
-              <a:rPr lang="en" altLang="zh-CN" dirty="0" err="1"/>
-              <a:t>AlexNet</a:t>
+              <a:t>算法，基本上全部都是深度学习算法，而</a:t>
+            </a:r>
+            <a:r>
+              <a:rPr lang="en-US" altLang="zh-CN" dirty="0"/>
+              <a:t> AI </a:t>
             </a:r>
             <a:r>
               <a:rPr lang="zh-CN" altLang="en-US" dirty="0"/>
-              <a:t> 在 李飞飞发起的 </a:t>
-            </a:r>
-            <a:r>
-              <a:rPr lang="en" altLang="zh-CN" dirty="0"/>
-              <a:t>ImageNet</a:t>
-            </a:r>
-            <a:r>
-              <a:rPr lang="zh-CN" altLang="en-US" dirty="0"/>
-              <a:t> 挑战赛中夺冠，大幅降低了图像分类错误率，标志着深度学习在图像识别领域的突破。这一事件引发了学术界和工业界对深度学习的广泛关注，促使更多研究和开发资源投入到深度学习领域。</a:t>
-            </a:r>
-            <a:endParaRPr lang="en-US" altLang="zh-CN" dirty="0"/>
-          </a:p>
-          <a:p>
-            <a:endParaRPr lang="en-US" altLang="zh-CN" dirty="0"/>
-          </a:p>
-          <a:p>
-            <a:r>
-              <a:rPr lang="en-US" altLang="zh-CN" dirty="0"/>
-              <a:t>2014</a:t>
-            </a:r>
-            <a:r>
-              <a:rPr lang="zh-CN" altLang="en-US" dirty="0"/>
-              <a:t>年：</a:t>
-            </a:r>
-            <a:r>
-              <a:rPr lang="en" altLang="zh-CN" dirty="0"/>
-              <a:t> Ian Goodfellow</a:t>
-            </a:r>
-            <a:r>
-              <a:rPr lang="zh-CN" altLang="en-US" dirty="0"/>
-              <a:t>等人提出生成对抗网络（</a:t>
-            </a:r>
-            <a:r>
-              <a:rPr lang="en" altLang="zh-CN" dirty="0"/>
-              <a:t>GAN</a:t>
-            </a:r>
-            <a:r>
-              <a:rPr lang="zh-CN" altLang="en" dirty="0"/>
-              <a:t>） </a:t>
-            </a:r>
-            <a:r>
-              <a:rPr lang="zh-CN" altLang="en-US" dirty="0"/>
-              <a:t>，通过生成器和鉴别器的对抗训练生成高质量数据样本。能够生成逼真的图像、音频等，广泛应用于图像生成、艺术创作等领域。</a:t>
-            </a:r>
-            <a:r>
-              <a:rPr lang="en" altLang="zh-CN" dirty="0"/>
-              <a:t>GAN</a:t>
-            </a:r>
-            <a:r>
-              <a:rPr lang="zh-CN" altLang="en-US" dirty="0"/>
-              <a:t>的出现为生成式 </a:t>
-            </a:r>
-            <a:r>
-              <a:rPr lang="en-US" altLang="zh-CN" dirty="0"/>
-              <a:t>AI</a:t>
-            </a:r>
-            <a:r>
-              <a:rPr lang="zh-CN" altLang="en-US" dirty="0"/>
-              <a:t> 建模开辟了新路径，推动了无监督学习的发展，虽然现在生成式 </a:t>
-            </a:r>
-            <a:r>
-              <a:rPr lang="en-US" altLang="zh-CN" dirty="0"/>
-              <a:t>AI</a:t>
-            </a:r>
-            <a:r>
-              <a:rPr lang="zh-CN" altLang="en-US" dirty="0"/>
-              <a:t> 被 </a:t>
-            </a:r>
-            <a:r>
-              <a:rPr lang="en-US" altLang="zh-CN" dirty="0"/>
-              <a:t>Transformer</a:t>
-            </a:r>
-            <a:r>
-              <a:rPr lang="zh-CN" altLang="en-US" dirty="0"/>
-              <a:t> 架构和大模型全面代替了，但是 </a:t>
-            </a:r>
-            <a:r>
-              <a:rPr lang="en" altLang="zh-CN" dirty="0"/>
-              <a:t>GAN </a:t>
-            </a:r>
-            <a:r>
-              <a:rPr lang="zh-CN" altLang="en" dirty="0"/>
-              <a:t>才</a:t>
-            </a:r>
-            <a:r>
-              <a:rPr lang="zh-CN" altLang="en-US" dirty="0"/>
-              <a:t>是开启生成式 </a:t>
-            </a:r>
-            <a:r>
-              <a:rPr lang="en-US" altLang="zh-CN" dirty="0"/>
-              <a:t>AI </a:t>
-            </a:r>
-            <a:r>
-              <a:rPr lang="zh-CN" altLang="en-US" dirty="0"/>
-              <a:t>的鼻祖。</a:t>
-            </a:r>
-            <a:endParaRPr lang="en-US" altLang="zh-CN" dirty="0"/>
-          </a:p>
-          <a:p>
-            <a:endParaRPr lang="en-US" altLang="zh-CN" dirty="0"/>
+              <a:t>已经成为了深度学习的代名词了。</a:t>
+            </a:r>
           </a:p>
         </p:txBody>
       </p:sp>
     </p:spTree>
     <p:extLst>
       <p:ext uri="{BB962C8B-B14F-4D97-AF65-F5344CB8AC3E}">
-        <p14:creationId xmlns:p14="http://schemas.microsoft.com/office/powerpoint/2010/main" val="244498261"/>
+        <p14:creationId xmlns:p14="http://schemas.microsoft.com/office/powerpoint/2010/main" val="919758185"/>
       </p:ext>
     </p:extLst>
   </p:cSld>
@@ -33707,35 +35419,27 @@
           <a:p>
             <a:r>
               <a:rPr lang="en-US" altLang="zh-CN" dirty="0"/>
-              <a:t>2016</a:t>
+              <a:t>2012</a:t>
             </a:r>
             <a:r>
               <a:rPr lang="zh-CN" altLang="en-US" dirty="0"/>
               <a:t>年：</a:t>
             </a:r>
             <a:r>
-              <a:rPr lang="en-US" altLang="zh-CN" dirty="0"/>
-              <a:t>Google</a:t>
+              <a:rPr lang="en" altLang="zh-CN" dirty="0" err="1"/>
+              <a:t>AlexNet</a:t>
             </a:r>
             <a:r>
               <a:rPr lang="zh-CN" altLang="en-US" dirty="0"/>
-              <a:t> 发布的 </a:t>
+              <a:t> 在李飞飞发起的 </a:t>
             </a:r>
             <a:r>
               <a:rPr lang="en" altLang="zh-CN" dirty="0"/>
-              <a:t>AlphaGo</a:t>
+              <a:t>ImageNet</a:t>
             </a:r>
             <a:r>
               <a:rPr lang="zh-CN" altLang="en-US" dirty="0"/>
-              <a:t> 击败围棋世界冠军李世石，展示了深度强化学习的强大能力。这一事件证明了 </a:t>
-            </a:r>
-            <a:r>
-              <a:rPr lang="en" altLang="zh-CN" dirty="0"/>
-              <a:t>AI</a:t>
-            </a:r>
-            <a:r>
-              <a:rPr lang="zh-CN" altLang="en-US" dirty="0"/>
-              <a:t> 在复杂决策游戏中的强大能力，推动了深度强化学习等技术的发展。</a:t>
+              <a:t> 挑战赛中夺冠，大幅降低了图像分类错误率，标志着深度学习在图像识别领域的突破。这一事件引发了学术界和工业界对深度学习的广泛关注，促使更多研究和开发资源投入到深度学习领域。</a:t>
             </a:r>
             <a:endParaRPr lang="en-US" altLang="zh-CN" dirty="0"/>
           </a:p>
@@ -33745,92 +35449,248 @@
           <a:p>
             <a:r>
               <a:rPr lang="en-US" altLang="zh-CN" dirty="0"/>
-              <a:t>2017</a:t>
+              <a:t>2014</a:t>
             </a:r>
             <a:r>
               <a:rPr lang="zh-CN" altLang="en-US" dirty="0"/>
               <a:t>年：</a:t>
             </a:r>
             <a:r>
+              <a:rPr lang="en" altLang="zh-CN" dirty="0"/>
+              <a:t> Ian Goodfellow</a:t>
+            </a:r>
+            <a:r>
+              <a:rPr lang="zh-CN" altLang="en-US" dirty="0"/>
+              <a:t>等人提出生成对抗网络（</a:t>
+            </a:r>
+            <a:r>
+              <a:rPr lang="en" altLang="zh-CN" dirty="0"/>
+              <a:t>GAN</a:t>
+            </a:r>
+            <a:r>
+              <a:rPr lang="zh-CN" altLang="en" dirty="0"/>
+              <a:t>） </a:t>
+            </a:r>
+            <a:r>
+              <a:rPr lang="zh-CN" altLang="en-US" dirty="0"/>
+              <a:t>，通过生成器和鉴别器的对抗训练生成高质量数据样本。能够生成逼真的图像、音频等，广泛应用于图像生成、艺术创作等领域。</a:t>
+            </a:r>
+            <a:r>
+              <a:rPr lang="en" altLang="zh-CN" dirty="0"/>
+              <a:t>GAN</a:t>
+            </a:r>
+            <a:r>
+              <a:rPr lang="zh-CN" altLang="en-US" dirty="0"/>
+              <a:t>的出现为生成式 </a:t>
+            </a:r>
+            <a:r>
               <a:rPr lang="en-US" altLang="zh-CN" dirty="0"/>
-              <a:t>Google</a:t>
+              <a:t>AI</a:t>
             </a:r>
             <a:r>
               <a:rPr lang="zh-CN" altLang="en-US" dirty="0"/>
-              <a:t> 提出了 </a:t>
+              <a:t> 建模开辟了新路径，推动了无监督学习的发展，虽然现在生成式 </a:t>
+            </a:r>
+            <a:r>
+              <a:rPr lang="en-US" altLang="zh-CN" dirty="0"/>
+              <a:t>AI</a:t>
+            </a:r>
+            <a:r>
+              <a:rPr lang="zh-CN" altLang="en-US" dirty="0"/>
+              <a:t> 被 </a:t>
+            </a:r>
+            <a:r>
+              <a:rPr lang="en-US" altLang="zh-CN" dirty="0"/>
+              <a:t>Transformer</a:t>
+            </a:r>
+            <a:r>
+              <a:rPr lang="zh-CN" altLang="en-US" dirty="0"/>
+              <a:t> 架构和大模型全面代替了，但是 </a:t>
             </a:r>
             <a:r>
               <a:rPr lang="en" altLang="zh-CN" dirty="0"/>
-              <a:t>Transformer</a:t>
+              <a:t>GAN </a:t>
+            </a:r>
+            <a:r>
+              <a:rPr lang="zh-CN" altLang="en" dirty="0"/>
+              <a:t>才</a:t>
             </a:r>
             <a:r>
               <a:rPr lang="zh-CN" altLang="en-US" dirty="0"/>
-              <a:t> 架构，通过自注意力机制处理长距离依赖关系，</a:t>
-            </a:r>
-            <a:r>
-              <a:rPr lang="en" altLang="zh-CN" dirty="0"/>
-              <a:t> Transformer</a:t>
+              <a:t>是开启生成式 </a:t>
+            </a:r>
+            <a:r>
+              <a:rPr lang="en-US" altLang="zh-CN" dirty="0"/>
+              <a:t>AI </a:t>
             </a:r>
             <a:r>
               <a:rPr lang="zh-CN" altLang="en-US" dirty="0"/>
-              <a:t>成为</a:t>
-            </a:r>
-            <a:r>
-              <a:rPr lang="en" altLang="zh-CN" dirty="0"/>
-              <a:t>NLP</a:t>
-            </a:r>
-            <a:r>
-              <a:rPr lang="zh-CN" altLang="en-US" dirty="0"/>
-              <a:t>领域的核心技术，为</a:t>
-            </a:r>
-            <a:r>
-              <a:rPr lang="en" altLang="zh-CN" dirty="0"/>
-              <a:t>GPT</a:t>
-            </a:r>
-            <a:r>
-              <a:rPr lang="zh-CN" altLang="en" dirty="0"/>
-              <a:t>、</a:t>
-            </a:r>
-            <a:r>
-              <a:rPr lang="en" altLang="zh-CN" dirty="0"/>
-              <a:t>BERT</a:t>
-            </a:r>
-            <a:r>
-              <a:rPr lang="zh-CN" altLang="en-US" dirty="0"/>
-              <a:t>等大语言模型的开发提供了基础。极大地推动了自然语言处理 </a:t>
-            </a:r>
-            <a:r>
-              <a:rPr lang="en-US" altLang="zh-CN" dirty="0"/>
-              <a:t>NLP</a:t>
-            </a:r>
-            <a:r>
-              <a:rPr lang="zh-CN" altLang="en-US" dirty="0"/>
-              <a:t> 的发展，成为现今大模型的基础。</a:t>
-            </a:r>
-            <a:r>
-              <a:rPr lang="en" altLang="zh-CN" dirty="0"/>
-              <a:t>Transformer</a:t>
-            </a:r>
-            <a:r>
-              <a:rPr lang="zh-CN" altLang="en-US" dirty="0"/>
-              <a:t> 架构为 </a:t>
-            </a:r>
-            <a:r>
-              <a:rPr lang="en-US" altLang="zh-CN" dirty="0"/>
-              <a:t>NLP</a:t>
-            </a:r>
-            <a:r>
-              <a:rPr lang="zh-CN" altLang="en-US" dirty="0"/>
-              <a:t> 领域带来了革命性变化，推动了机器翻译、文本生成等任务的快速发展。</a:t>
+              <a:t>的鼻祖。</a:t>
             </a:r>
             <a:endParaRPr lang="en-US" altLang="zh-CN" dirty="0"/>
+          </a:p>
+          <a:p>
+            <a:endParaRPr lang="en-US" altLang="zh-CN" dirty="0"/>
+          </a:p>
+        </p:txBody>
+      </p:sp>
+      <p:sp>
+        <p:nvSpPr>
+          <p:cNvPr id="3" name="文本框 2">
+            <a:extLst>
+              <a:ext uri="{FF2B5EF4-FFF2-40B4-BE49-F238E27FC236}">
+                <a16:creationId xmlns:a16="http://schemas.microsoft.com/office/drawing/2014/main" id="{5F459184-8016-2088-3110-B5F4C2AB2403}"/>
+              </a:ext>
+            </a:extLst>
+          </p:cNvPr>
+          <p:cNvSpPr txBox="1"/>
+          <p:nvPr/>
+        </p:nvSpPr>
+        <p:spPr>
+          <a:xfrm>
+            <a:off x="2527739" y="881146"/>
+            <a:ext cx="8271640" cy="461665"/>
+          </a:xfrm>
+          <a:prstGeom prst="rect">
+            <a:avLst/>
+          </a:prstGeom>
+          <a:noFill/>
+        </p:spPr>
+        <p:txBody>
+          <a:bodyPr wrap="square">
+            <a:spAutoFit/>
+          </a:bodyPr>
+          <a:lstStyle/>
+          <a:p>
+            <a:r>
+              <a:rPr lang="zh-CN" altLang="en-US" sz="1200" dirty="0">
+                <a:solidFill>
+                  <a:srgbClr val="0432FF"/>
+                </a:solidFill>
+                <a:hlinkClick r:id="rId2"/>
+              </a:rPr>
+              <a:t>https://www.youtube.com/watch?v=TJoWc2I0ohM&amp;pp=ygUQYWxleG5ldCBpbWFnZW5ldA%3D%3D</a:t>
+            </a:r>
+            <a:endParaRPr lang="en-US" altLang="zh-CN" sz="1200" dirty="0">
+              <a:solidFill>
+                <a:srgbClr val="0432FF"/>
+              </a:solidFill>
+            </a:endParaRPr>
+          </a:p>
+          <a:p>
+            <a:r>
+              <a:rPr lang="en" altLang="zh-CN" sz="1200" dirty="0">
+                <a:solidFill>
+                  <a:srgbClr val="0432FF"/>
+                </a:solidFill>
+                <a:hlinkClick r:id="rId3"/>
+              </a:rPr>
+              <a:t>https://www.youtube.com/watch?v=40riCqvRoMs&amp;t=772s&amp;pp=ygUIaW1hZ2VuZXQ%3D</a:t>
+            </a:r>
+            <a:endParaRPr lang="en-US" altLang="zh-CN" sz="1200" dirty="0">
+              <a:solidFill>
+                <a:srgbClr val="0432FF"/>
+              </a:solidFill>
+            </a:endParaRPr>
+          </a:p>
+        </p:txBody>
+      </p:sp>
+      <p:sp>
+        <p:nvSpPr>
+          <p:cNvPr id="7" name="文本框 6">
+            <a:extLst>
+              <a:ext uri="{FF2B5EF4-FFF2-40B4-BE49-F238E27FC236}">
+                <a16:creationId xmlns:a16="http://schemas.microsoft.com/office/drawing/2014/main" id="{9D9EE66E-9FED-9A88-943D-14098D9FA2B3}"/>
+              </a:ext>
+            </a:extLst>
+          </p:cNvPr>
+          <p:cNvSpPr txBox="1"/>
+          <p:nvPr/>
+        </p:nvSpPr>
+        <p:spPr>
+          <a:xfrm>
+            <a:off x="2149366" y="2925616"/>
+            <a:ext cx="8271640" cy="461665"/>
+          </a:xfrm>
+          <a:prstGeom prst="rect">
+            <a:avLst/>
+          </a:prstGeom>
+          <a:noFill/>
+        </p:spPr>
+        <p:txBody>
+          <a:bodyPr wrap="square">
+            <a:spAutoFit/>
+          </a:bodyPr>
+          <a:lstStyle/>
+          <a:p>
+            <a:r>
+              <a:rPr lang="zh-CN" altLang="en-US" sz="1200" dirty="0">
+                <a:solidFill>
+                  <a:srgbClr val="0432FF"/>
+                </a:solidFill>
+                <a:hlinkClick r:id="rId4"/>
+              </a:rPr>
+              <a:t>https://www.youtube.com/watch?v=ZR7tyWUZyHw&amp;pp=ygUSSWFuIEdvb2RmZWxsb3cgR0FO</a:t>
+            </a:r>
+            <a:endParaRPr lang="en-US" altLang="zh-CN" sz="1200" dirty="0">
+              <a:solidFill>
+                <a:srgbClr val="0432FF"/>
+              </a:solidFill>
+            </a:endParaRPr>
+          </a:p>
+          <a:p>
+            <a:r>
+              <a:rPr lang="en" altLang="zh-CN" sz="1200" dirty="0">
+                <a:solidFill>
+                  <a:srgbClr val="0432FF"/>
+                </a:solidFill>
+              </a:rPr>
+              <a:t>https://</a:t>
+            </a:r>
+            <a:r>
+              <a:rPr lang="en" altLang="zh-CN" sz="1200" dirty="0" err="1">
+                <a:solidFill>
+                  <a:srgbClr val="0432FF"/>
+                </a:solidFill>
+              </a:rPr>
+              <a:t>www.youtube.com</a:t>
+            </a:r>
+            <a:r>
+              <a:rPr lang="en" altLang="zh-CN" sz="1200" dirty="0">
+                <a:solidFill>
+                  <a:srgbClr val="0432FF"/>
+                </a:solidFill>
+              </a:rPr>
+              <a:t>/</a:t>
+            </a:r>
+            <a:r>
+              <a:rPr lang="en" altLang="zh-CN" sz="1200" dirty="0" err="1">
+                <a:solidFill>
+                  <a:srgbClr val="0432FF"/>
+                </a:solidFill>
+              </a:rPr>
+              <a:t>watch?v</a:t>
+            </a:r>
+            <a:r>
+              <a:rPr lang="en" altLang="zh-CN" sz="1200" dirty="0">
+                <a:solidFill>
+                  <a:srgbClr val="0432FF"/>
+                </a:solidFill>
+              </a:rPr>
+              <a:t>=7tFBoxex4JE&amp;pp=ygUSSWFuIEdvb2RmZWxsb3cgR0FO</a:t>
+            </a:r>
+            <a:endParaRPr lang="zh-CN" altLang="en-US" sz="1200" dirty="0">
+              <a:solidFill>
+                <a:srgbClr val="0432FF"/>
+              </a:solidFill>
+            </a:endParaRPr>
           </a:p>
         </p:txBody>
       </p:sp>
     </p:spTree>
     <p:extLst>
       <p:ext uri="{BB962C8B-B14F-4D97-AF65-F5344CB8AC3E}">
-        <p14:creationId xmlns:p14="http://schemas.microsoft.com/office/powerpoint/2010/main" val="2692676595"/>
+        <p14:creationId xmlns:p14="http://schemas.microsoft.com/office/powerpoint/2010/main" val="244498261"/>
       </p:ext>
     </p:extLst>
   </p:cSld>
@@ -33930,91 +35790,35 @@
           <a:p>
             <a:r>
               <a:rPr lang="en-US" altLang="zh-CN" dirty="0"/>
-              <a:t>2018</a:t>
+              <a:t>2016</a:t>
             </a:r>
             <a:r>
               <a:rPr lang="zh-CN" altLang="en-US" dirty="0"/>
               <a:t>年：</a:t>
             </a:r>
             <a:r>
+              <a:rPr lang="en-US" altLang="zh-CN" dirty="0"/>
+              <a:t>Google</a:t>
+            </a:r>
+            <a:r>
+              <a:rPr lang="zh-CN" altLang="en-US" dirty="0"/>
+              <a:t> 发布的 </a:t>
+            </a:r>
+            <a:r>
               <a:rPr lang="en" altLang="zh-CN" dirty="0"/>
-              <a:t>OpenAI</a:t>
+              <a:t>AlphaGo</a:t>
             </a:r>
             <a:r>
               <a:rPr lang="zh-CN" altLang="en-US" dirty="0"/>
-              <a:t> 的 </a:t>
+              <a:t> 击败围棋世界冠军李世石，展示了深度强化学习的强大能力。这一事件证明了 </a:t>
             </a:r>
             <a:r>
               <a:rPr lang="en" altLang="zh-CN" dirty="0"/>
-              <a:t>GPT</a:t>
-            </a:r>
-            <a:r>
-              <a:rPr lang="en-US" altLang="zh-CN" dirty="0"/>
-              <a:t>-1</a:t>
+              <a:t>AI</a:t>
             </a:r>
             <a:r>
               <a:rPr lang="zh-CN" altLang="en-US" dirty="0"/>
-              <a:t> 发布，</a:t>
-            </a:r>
-            <a:r>
-              <a:rPr lang="en-US" altLang="zh-CN" dirty="0"/>
-              <a:t> </a:t>
-            </a:r>
-            <a:r>
-              <a:rPr lang="zh-CN" altLang="en-US" dirty="0"/>
-              <a:t>仅仅使用 </a:t>
-            </a:r>
-            <a:r>
-              <a:rPr lang="en-US" altLang="zh-CN" dirty="0"/>
-              <a:t>Transformer</a:t>
-            </a:r>
-            <a:r>
-              <a:rPr lang="zh-CN" altLang="en-US" dirty="0"/>
-              <a:t> 架构的 </a:t>
-            </a:r>
-            <a:r>
-              <a:rPr lang="en-US" altLang="zh-CN" dirty="0"/>
-              <a:t>Decoder</a:t>
-            </a:r>
-            <a:r>
-              <a:rPr lang="zh-CN" altLang="en-US" dirty="0"/>
-              <a:t> 部分作为网络模型结构，实现了语言生成能力。</a:t>
-            </a:r>
-            <a:r>
-              <a:rPr lang="en" altLang="zh-CN" dirty="0"/>
-              <a:t>GPT-</a:t>
-            </a:r>
-            <a:r>
-              <a:rPr lang="en-US" altLang="zh-CN" dirty="0"/>
-              <a:t>1</a:t>
-            </a:r>
-            <a:r>
-              <a:rPr lang="zh-CN" altLang="en-US" dirty="0"/>
-              <a:t> 出现推动了 </a:t>
-            </a:r>
-            <a:r>
-              <a:rPr lang="en-US" altLang="zh-CN" dirty="0"/>
-              <a:t>NLP</a:t>
-            </a:r>
-            <a:r>
-              <a:rPr lang="zh-CN" altLang="en-US" dirty="0"/>
-              <a:t> 在更多行业领域的应用，如智能客服、语言翻译等。为后续 </a:t>
-            </a:r>
-            <a:r>
-              <a:rPr lang="en-US" altLang="zh-CN" dirty="0"/>
-              <a:t>GPT-4</a:t>
-            </a:r>
-            <a:r>
-              <a:rPr lang="zh-CN" altLang="en-US" dirty="0"/>
-              <a:t>，</a:t>
-            </a:r>
-            <a:r>
-              <a:rPr lang="en-US" altLang="zh-CN" dirty="0"/>
-              <a:t>OpenAI</a:t>
-            </a:r>
-            <a:r>
-              <a:rPr lang="zh-CN" altLang="en-US" dirty="0"/>
-              <a:t> 的爆火埋下了很重要的伏笔。</a:t>
+              <a:t> 在复杂决策游戏中的强大能力，推动了深度强化学习等技术的发展。</a:t>
             </a:r>
             <a:endParaRPr lang="en-US" altLang="zh-CN" dirty="0"/>
           </a:p>
@@ -34024,56 +35828,170 @@
           <a:p>
             <a:r>
               <a:rPr lang="en-US" altLang="zh-CN" dirty="0"/>
-              <a:t>2020</a:t>
+              <a:t>2017</a:t>
             </a:r>
             <a:r>
               <a:rPr lang="zh-CN" altLang="en-US" dirty="0"/>
               <a:t>年：</a:t>
             </a:r>
             <a:r>
+              <a:rPr lang="en-US" altLang="zh-CN" dirty="0"/>
+              <a:t>Google</a:t>
+            </a:r>
+            <a:r>
+              <a:rPr lang="zh-CN" altLang="en-US" dirty="0"/>
+              <a:t> 提出了 </a:t>
+            </a:r>
+            <a:r>
               <a:rPr lang="en" altLang="zh-CN" dirty="0"/>
-              <a:t>OpenAI</a:t>
+              <a:t>Transformer</a:t>
             </a:r>
             <a:r>
               <a:rPr lang="zh-CN" altLang="en-US" dirty="0"/>
-              <a:t> 发布 </a:t>
+              <a:t> 架构，通过自注意力机制处理长距离依赖关系，</a:t>
             </a:r>
             <a:r>
               <a:rPr lang="en" altLang="zh-CN" dirty="0"/>
-              <a:t>GPT-3</a:t>
+              <a:t> Transformer</a:t>
+            </a:r>
+            <a:r>
+              <a:rPr lang="zh-CN" altLang="en-US" dirty="0"/>
+              <a:t>成为</a:t>
+            </a:r>
+            <a:r>
+              <a:rPr lang="en" altLang="zh-CN" dirty="0"/>
+              <a:t>NLP</a:t>
+            </a:r>
+            <a:r>
+              <a:rPr lang="zh-CN" altLang="en-US" dirty="0"/>
+              <a:t>领域的核心技术，为</a:t>
+            </a:r>
+            <a:r>
+              <a:rPr lang="en" altLang="zh-CN" dirty="0"/>
+              <a:t>GPT</a:t>
             </a:r>
             <a:r>
               <a:rPr lang="zh-CN" altLang="en" dirty="0"/>
-              <a:t>，</a:t>
+              <a:t>、</a:t>
+            </a:r>
+            <a:r>
+              <a:rPr lang="en" altLang="zh-CN" dirty="0"/>
+              <a:t>BERT</a:t>
             </a:r>
             <a:r>
               <a:rPr lang="zh-CN" altLang="en-US" dirty="0"/>
-              <a:t>拥有 </a:t>
+              <a:t>等大语言模型的开发提供了基础。极大地推动了自然语言处理 </a:t>
             </a:r>
             <a:r>
               <a:rPr lang="en-US" altLang="zh-CN" dirty="0"/>
-              <a:t>1750</a:t>
+              <a:t>NLP</a:t>
             </a:r>
             <a:r>
               <a:rPr lang="zh-CN" altLang="en-US" dirty="0"/>
-              <a:t> 亿参数规模，展示了自监督学习在未标记数据训练中的潜力。在文本生成、问答等任务中表现出色，推动了生成式</a:t>
+              <a:t> 的发展，成为现今大模型的基础。</a:t>
             </a:r>
             <a:r>
               <a:rPr lang="en" altLang="zh-CN" dirty="0"/>
-              <a:t>AI</a:t>
+              <a:t>Transformer</a:t>
             </a:r>
             <a:r>
               <a:rPr lang="zh-CN" altLang="en-US" dirty="0"/>
-              <a:t>的普及。</a:t>
+              <a:t> 架构为 </a:t>
+            </a:r>
+            <a:r>
+              <a:rPr lang="en-US" altLang="zh-CN" dirty="0"/>
+              <a:t>NLP</a:t>
+            </a:r>
+            <a:r>
+              <a:rPr lang="zh-CN" altLang="en-US" dirty="0"/>
+              <a:t> 领域带来了革命性变化，推动了机器翻译、文本生成等任务的快速发展。</a:t>
             </a:r>
             <a:endParaRPr lang="en-US" altLang="zh-CN" dirty="0"/>
+          </a:p>
+        </p:txBody>
+      </p:sp>
+      <p:sp>
+        <p:nvSpPr>
+          <p:cNvPr id="3" name="文本框 2">
+            <a:extLst>
+              <a:ext uri="{FF2B5EF4-FFF2-40B4-BE49-F238E27FC236}">
+                <a16:creationId xmlns:a16="http://schemas.microsoft.com/office/drawing/2014/main" id="{D0BB387A-2D3D-8DFC-4281-9364087F2F4A}"/>
+              </a:ext>
+            </a:extLst>
+          </p:cNvPr>
+          <p:cNvSpPr txBox="1"/>
+          <p:nvPr/>
+        </p:nvSpPr>
+        <p:spPr>
+          <a:xfrm>
+            <a:off x="2832539" y="1040945"/>
+            <a:ext cx="8271640" cy="276999"/>
+          </a:xfrm>
+          <a:prstGeom prst="rect">
+            <a:avLst/>
+          </a:prstGeom>
+          <a:noFill/>
+        </p:spPr>
+        <p:txBody>
+          <a:bodyPr wrap="square">
+            <a:spAutoFit/>
+          </a:bodyPr>
+          <a:lstStyle/>
+          <a:p>
+            <a:r>
+              <a:rPr lang="zh-CN" altLang="en-US" sz="1200" dirty="0">
+                <a:solidFill>
+                  <a:srgbClr val="0432FF"/>
+                </a:solidFill>
+              </a:rPr>
+              <a:t>https://www.youtube.com/watch?v=WXuK6gekU1Y&amp;t=3s&amp;pp=ygUOR29vZ2xlIEFscGhhR28%3D</a:t>
+            </a:r>
+          </a:p>
+        </p:txBody>
+      </p:sp>
+      <p:sp>
+        <p:nvSpPr>
+          <p:cNvPr id="7" name="文本框 6">
+            <a:extLst>
+              <a:ext uri="{FF2B5EF4-FFF2-40B4-BE49-F238E27FC236}">
+                <a16:creationId xmlns:a16="http://schemas.microsoft.com/office/drawing/2014/main" id="{AA025D13-3084-4246-8571-58C613AB4500}"/>
+              </a:ext>
+            </a:extLst>
+          </p:cNvPr>
+          <p:cNvSpPr txBox="1"/>
+          <p:nvPr/>
+        </p:nvSpPr>
+        <p:spPr>
+          <a:xfrm>
+            <a:off x="2832539" y="2677538"/>
+            <a:ext cx="8271640" cy="276999"/>
+          </a:xfrm>
+          <a:prstGeom prst="rect">
+            <a:avLst/>
+          </a:prstGeom>
+          <a:noFill/>
+        </p:spPr>
+        <p:txBody>
+          <a:bodyPr wrap="square">
+            <a:spAutoFit/>
+          </a:bodyPr>
+          <a:lstStyle/>
+          <a:p>
+            <a:r>
+              <a:rPr lang="zh-CN" altLang="en-US" sz="1200" dirty="0">
+                <a:solidFill>
+                  <a:srgbClr val="0432FF"/>
+                </a:solidFill>
+              </a:rPr>
+              <a:t>https://www.youtube.com/watch?v=t45S_MwAcOw&amp;pp=ygUSR29vZ2xlIFRyYW5zZm9ybWVy</a:t>
+            </a:r>
           </a:p>
         </p:txBody>
       </p:sp>
     </p:spTree>
     <p:extLst>
       <p:ext uri="{BB962C8B-B14F-4D97-AF65-F5344CB8AC3E}">
-        <p14:creationId xmlns:p14="http://schemas.microsoft.com/office/powerpoint/2010/main" val="2439444514"/>
+        <p14:creationId xmlns:p14="http://schemas.microsoft.com/office/powerpoint/2010/main" val="2692676595"/>
       </p:ext>
     </p:extLst>
   </p:cSld>
@@ -34173,7 +36091,7 @@
           <a:p>
             <a:r>
               <a:rPr lang="en-US" altLang="zh-CN" dirty="0"/>
-              <a:t>2022</a:t>
+              <a:t>2018</a:t>
             </a:r>
             <a:r>
               <a:rPr lang="zh-CN" altLang="en-US" dirty="0"/>
@@ -34185,96 +36103,81 @@
             </a:r>
             <a:r>
               <a:rPr lang="zh-CN" altLang="en-US" dirty="0"/>
-              <a:t> 发布 </a:t>
+              <a:t> 的 </a:t>
             </a:r>
             <a:r>
               <a:rPr lang="en" altLang="zh-CN" dirty="0"/>
-              <a:t>ChatGPT</a:t>
-            </a:r>
-            <a:r>
-              <a:rPr lang="zh-CN" altLang="en" dirty="0"/>
+              <a:t>GPT</a:t>
+            </a:r>
+            <a:r>
+              <a:rPr lang="en-US" altLang="zh-CN" dirty="0"/>
+              <a:t>-1</a:t>
+            </a:r>
+            <a:r>
+              <a:rPr lang="zh-CN" altLang="en-US" dirty="0"/>
+              <a:t> 发布，</a:t>
+            </a:r>
+            <a:r>
+              <a:rPr lang="en-US" altLang="zh-CN" dirty="0"/>
+              <a:t> </a:t>
+            </a:r>
+            <a:r>
+              <a:rPr lang="zh-CN" altLang="en-US" dirty="0"/>
+              <a:t>仅仅使用 </a:t>
+            </a:r>
+            <a:r>
+              <a:rPr lang="en-US" altLang="zh-CN" dirty="0"/>
+              <a:t>Transformer</a:t>
+            </a:r>
+            <a:r>
+              <a:rPr lang="zh-CN" altLang="en-US" dirty="0"/>
+              <a:t> 架构的 </a:t>
+            </a:r>
+            <a:r>
+              <a:rPr lang="en-US" altLang="zh-CN" dirty="0"/>
+              <a:t>Decoder</a:t>
+            </a:r>
+            <a:r>
+              <a:rPr lang="zh-CN" altLang="en-US" dirty="0"/>
+              <a:t> 部分作为网络模型结构，实现了语言生成能力。</a:t>
+            </a:r>
+            <a:r>
+              <a:rPr lang="en" altLang="zh-CN" dirty="0"/>
+              <a:t>GPT-</a:t>
+            </a:r>
+            <a:r>
+              <a:rPr lang="en-US" altLang="zh-CN" dirty="0"/>
+              <a:t>1</a:t>
+            </a:r>
+            <a:r>
+              <a:rPr lang="zh-CN" altLang="en-US" dirty="0"/>
+              <a:t> 出现推动了 </a:t>
+            </a:r>
+            <a:r>
+              <a:rPr lang="en-US" altLang="zh-CN" dirty="0"/>
+              <a:t>NLP</a:t>
+            </a:r>
+            <a:r>
+              <a:rPr lang="zh-CN" altLang="en-US" dirty="0"/>
+              <a:t> 在更多行业领域的应用，如智能客服、语言翻译等。为后续 </a:t>
+            </a:r>
+            <a:r>
+              <a:rPr lang="en-US" altLang="zh-CN" dirty="0"/>
+              <a:t>GPT-4</a:t>
+            </a:r>
+            <a:r>
+              <a:rPr lang="zh-CN" altLang="en-US" dirty="0"/>
               <a:t>，</a:t>
             </a:r>
             <a:r>
+              <a:rPr lang="en-US" altLang="zh-CN" dirty="0"/>
+              <a:t>OpenAI</a:t>
+            </a:r>
+            <a:r>
               <a:rPr lang="zh-CN" altLang="en-US" dirty="0"/>
-              <a:t>展示 </a:t>
-            </a:r>
-            <a:r>
-              <a:rPr lang="en" altLang="zh-CN" dirty="0"/>
-              <a:t>ChatGPT</a:t>
-            </a:r>
-            <a:r>
-              <a:rPr lang="zh-CN" altLang="en-US" dirty="0"/>
-              <a:t> 强大的对话和文本生成能力；</a:t>
-            </a:r>
-            <a:r>
-              <a:rPr lang="en" altLang="zh-CN" dirty="0"/>
-              <a:t>Stability AI</a:t>
-            </a:r>
-            <a:r>
-              <a:rPr lang="zh-CN" altLang="en-US" dirty="0"/>
-              <a:t>发布</a:t>
-            </a:r>
-            <a:r>
-              <a:rPr lang="en" altLang="zh-CN" dirty="0"/>
-              <a:t>Stable Diffusion</a:t>
-            </a:r>
-            <a:r>
-              <a:rPr lang="zh-CN" altLang="en" dirty="0"/>
-              <a:t>，</a:t>
-            </a:r>
-            <a:r>
-              <a:rPr lang="zh-CN" altLang="en-US" dirty="0"/>
-              <a:t>推动了文本到图像生成技术的发展。</a:t>
-            </a:r>
-            <a:r>
-              <a:rPr lang="en" altLang="zh-CN" dirty="0"/>
-              <a:t>ChatGPT</a:t>
-            </a:r>
-            <a:r>
-              <a:rPr lang="zh-CN" altLang="en-US" dirty="0"/>
-              <a:t> 和 </a:t>
-            </a:r>
-            <a:r>
-              <a:rPr lang="en" altLang="zh-CN" dirty="0"/>
-              <a:t>Stable Diffusion</a:t>
-            </a:r>
-            <a:r>
-              <a:rPr lang="zh-CN" altLang="en-US" dirty="0"/>
-              <a:t> 的发布标志着生成式 </a:t>
-            </a:r>
-            <a:r>
-              <a:rPr lang="en" altLang="zh-CN" dirty="0"/>
-              <a:t>AI</a:t>
-            </a:r>
-            <a:r>
-              <a:rPr lang="zh-CN" altLang="en-US" dirty="0"/>
-              <a:t> 正式进入主流应用，推动了多模态 </a:t>
-            </a:r>
-            <a:r>
-              <a:rPr lang="en" altLang="zh-CN" dirty="0"/>
-              <a:t>AI</a:t>
-            </a:r>
-            <a:r>
-              <a:rPr lang="zh-CN" altLang="en-US" dirty="0"/>
-              <a:t> 的发展。而 </a:t>
-            </a:r>
-            <a:r>
-              <a:rPr lang="en-US" altLang="zh-CN" dirty="0"/>
-              <a:t>GAN</a:t>
-            </a:r>
-            <a:r>
-              <a:rPr lang="zh-CN" altLang="en-US" dirty="0"/>
-              <a:t> 也随着 </a:t>
-            </a:r>
-            <a:r>
-              <a:rPr lang="en" altLang="zh-CN" dirty="0"/>
-              <a:t>Stable Diffusion</a:t>
-            </a:r>
-            <a:r>
-              <a:rPr lang="zh-CN" altLang="en-US" dirty="0"/>
-              <a:t> 技术出现而被代替了。</a:t>
-            </a:r>
+              <a:t> 的爆火埋下了很重要的伏笔。</a:t>
+            </a:r>
+            <a:endParaRPr lang="en-US" altLang="zh-CN" dirty="0"/>
           </a:p>
           <a:p>
             <a:endParaRPr lang="en-US" altLang="zh-CN" dirty="0"/>
@@ -34282,11 +36185,11 @@
           <a:p>
             <a:r>
               <a:rPr lang="en-US" altLang="zh-CN" dirty="0"/>
-              <a:t>2024</a:t>
+              <a:t>2020</a:t>
             </a:r>
             <a:r>
               <a:rPr lang="zh-CN" altLang="en-US" dirty="0"/>
-              <a:t>年：多模态大模型崛起，如</a:t>
+              <a:t>年：</a:t>
             </a:r>
             <a:r>
               <a:rPr lang="en" altLang="zh-CN" dirty="0"/>
@@ -34294,11 +36197,11 @@
             </a:r>
             <a:r>
               <a:rPr lang="zh-CN" altLang="en-US" dirty="0"/>
-              <a:t>推出的</a:t>
+              <a:t> 发布 </a:t>
             </a:r>
             <a:r>
               <a:rPr lang="en" altLang="zh-CN" dirty="0"/>
-              <a:t>ChatGPT-4o</a:t>
+              <a:t>GPT-3</a:t>
             </a:r>
             <a:r>
               <a:rPr lang="zh-CN" altLang="en" dirty="0"/>
@@ -34306,7 +36209,15 @@
             </a:r>
             <a:r>
               <a:rPr lang="zh-CN" altLang="en-US" dirty="0"/>
-              <a:t>能够实时处理和生成文本、音频等多种模态的数据。这一技术的发展为</a:t>
+              <a:t>拥有 </a:t>
+            </a:r>
+            <a:r>
+              <a:rPr lang="en-US" altLang="zh-CN" dirty="0"/>
+              <a:t>1750</a:t>
+            </a:r>
+            <a:r>
+              <a:rPr lang="zh-CN" altLang="en-US" dirty="0"/>
+              <a:t> 亿参数规模，展示了自监督学习在未标记数据训练中的潜力。在文本生成、问答等任务中表现出色，推动了生成式</a:t>
             </a:r>
             <a:r>
               <a:rPr lang="en" altLang="zh-CN" dirty="0"/>
@@ -34314,7 +36225,47 @@
             </a:r>
             <a:r>
               <a:rPr lang="zh-CN" altLang="en-US" dirty="0"/>
-              <a:t>在更多领域的应用提供了新的可能性，如智能教育、智能娱乐等。</a:t>
+              <a:t>的普及。</a:t>
+            </a:r>
+            <a:endParaRPr lang="en-US" altLang="zh-CN" dirty="0"/>
+          </a:p>
+        </p:txBody>
+      </p:sp>
+      <p:sp>
+        <p:nvSpPr>
+          <p:cNvPr id="3" name="文本框 2">
+            <a:extLst>
+              <a:ext uri="{FF2B5EF4-FFF2-40B4-BE49-F238E27FC236}">
+                <a16:creationId xmlns:a16="http://schemas.microsoft.com/office/drawing/2014/main" id="{0AE4CECC-1179-CDD9-99B4-802292D6C284}"/>
+              </a:ext>
+            </a:extLst>
+          </p:cNvPr>
+          <p:cNvSpPr txBox="1"/>
+          <p:nvPr/>
+        </p:nvSpPr>
+        <p:spPr>
+          <a:xfrm>
+            <a:off x="2433145" y="1111979"/>
+            <a:ext cx="8271640" cy="276999"/>
+          </a:xfrm>
+          <a:prstGeom prst="rect">
+            <a:avLst/>
+          </a:prstGeom>
+          <a:noFill/>
+        </p:spPr>
+        <p:txBody>
+          <a:bodyPr wrap="square">
+            <a:spAutoFit/>
+          </a:bodyPr>
+          <a:lstStyle/>
+          <a:p>
+            <a:r>
+              <a:rPr lang="zh-CN" altLang="en-US" sz="1200" dirty="0">
+                <a:solidFill>
+                  <a:srgbClr val="0432FF"/>
+                </a:solidFill>
+              </a:rPr>
+              <a:t>https://www.youtube.com/watch?v=OFS90-FX6pg&amp;t=950s&amp;pp=ygUNT3BlbkFJIEdQVC0xIA%3D%3D</a:t>
             </a:r>
           </a:p>
         </p:txBody>
@@ -34322,7 +36273,7 @@
     </p:spTree>
     <p:extLst>
       <p:ext uri="{BB962C8B-B14F-4D97-AF65-F5344CB8AC3E}">
-        <p14:creationId xmlns:p14="http://schemas.microsoft.com/office/powerpoint/2010/main" val="947474586"/>
+        <p14:creationId xmlns:p14="http://schemas.microsoft.com/office/powerpoint/2010/main" val="2439444514"/>
       </p:ext>
     </p:extLst>
   </p:cSld>
@@ -34422,11 +36373,11 @@
           <a:p>
             <a:r>
               <a:rPr lang="en-US" altLang="zh-CN" dirty="0"/>
-              <a:t>2024</a:t>
+              <a:t>2022</a:t>
             </a:r>
             <a:r>
               <a:rPr lang="zh-CN" altLang="en-US" dirty="0"/>
-              <a:t>年：多模态大模型崛起，如 </a:t>
+              <a:t>年：</a:t>
             </a:r>
             <a:r>
               <a:rPr lang="en" altLang="zh-CN" dirty="0"/>
@@ -34434,11 +36385,11 @@
             </a:r>
             <a:r>
               <a:rPr lang="zh-CN" altLang="en-US" dirty="0"/>
-              <a:t> 推出的 </a:t>
+              <a:t> 发布 </a:t>
             </a:r>
             <a:r>
               <a:rPr lang="en" altLang="zh-CN" dirty="0"/>
-              <a:t>GPT-4o</a:t>
+              <a:t>ChatGPT</a:t>
             </a:r>
             <a:r>
               <a:rPr lang="zh-CN" altLang="en" dirty="0"/>
@@ -34446,23 +36397,51 @@
             </a:r>
             <a:r>
               <a:rPr lang="zh-CN" altLang="en-US" dirty="0"/>
-              <a:t>能够实时处理和生成文本、音频等多种模态的数据，在苹果手机上面作为 </a:t>
-            </a:r>
-            <a:r>
-              <a:rPr lang="en-US" altLang="zh-CN" dirty="0"/>
-              <a:t>OpenAI</a:t>
+              <a:t>展示 </a:t>
+            </a:r>
+            <a:r>
+              <a:rPr lang="en" altLang="zh-CN" dirty="0"/>
+              <a:t>ChatGPT</a:t>
             </a:r>
             <a:r>
               <a:rPr lang="zh-CN" altLang="en-US" dirty="0"/>
-              <a:t> 的发布会实现实时对话。</a:t>
+              <a:t> 强大的对话和文本生成能力；</a:t>
             </a:r>
             <a:r>
               <a:rPr lang="en" altLang="zh-CN" dirty="0"/>
-              <a:t> GPT-4o</a:t>
+              <a:t>Stability AI</a:t>
             </a:r>
             <a:r>
               <a:rPr lang="zh-CN" altLang="en-US" dirty="0"/>
-              <a:t> 的发展为</a:t>
+              <a:t>发布</a:t>
+            </a:r>
+            <a:r>
+              <a:rPr lang="en" altLang="zh-CN" dirty="0"/>
+              <a:t>Stable Diffusion</a:t>
+            </a:r>
+            <a:r>
+              <a:rPr lang="zh-CN" altLang="en" dirty="0"/>
+              <a:t>，</a:t>
+            </a:r>
+            <a:r>
+              <a:rPr lang="zh-CN" altLang="en-US" dirty="0"/>
+              <a:t>推动了文本到图像生成技术的发展。</a:t>
+            </a:r>
+            <a:r>
+              <a:rPr lang="en" altLang="zh-CN" dirty="0"/>
+              <a:t>ChatGPT</a:t>
+            </a:r>
+            <a:r>
+              <a:rPr lang="zh-CN" altLang="en-US" dirty="0"/>
+              <a:t> 和 </a:t>
+            </a:r>
+            <a:r>
+              <a:rPr lang="en" altLang="zh-CN" dirty="0"/>
+              <a:t>Stable Diffusion</a:t>
+            </a:r>
+            <a:r>
+              <a:rPr lang="zh-CN" altLang="en-US" dirty="0"/>
+              <a:t> 的发布标志着生成式 </a:t>
             </a:r>
             <a:r>
               <a:rPr lang="en" altLang="zh-CN" dirty="0"/>
@@ -34470,33 +36449,150 @@
             </a:r>
             <a:r>
               <a:rPr lang="zh-CN" altLang="en-US" dirty="0"/>
-              <a:t> 在更多领域的应用提供了新的可能性，如智能教育、智能娱乐等。</a:t>
-            </a:r>
-            <a:endParaRPr lang="en-US" altLang="zh-CN" dirty="0"/>
+              <a:t> 正式进入主流应用，推动了多模态 </a:t>
+            </a:r>
+            <a:r>
+              <a:rPr lang="en" altLang="zh-CN" dirty="0"/>
+              <a:t>AI</a:t>
+            </a:r>
+            <a:r>
+              <a:rPr lang="zh-CN" altLang="en-US" dirty="0"/>
+              <a:t> 的发展。而 </a:t>
+            </a:r>
+            <a:r>
+              <a:rPr lang="en-US" altLang="zh-CN" dirty="0"/>
+              <a:t>GAN</a:t>
+            </a:r>
+            <a:r>
+              <a:rPr lang="zh-CN" altLang="en-US" dirty="0"/>
+              <a:t> 也随着 </a:t>
+            </a:r>
+            <a:r>
+              <a:rPr lang="en" altLang="zh-CN" dirty="0"/>
+              <a:t>Stable Diffusion</a:t>
+            </a:r>
+            <a:r>
+              <a:rPr lang="zh-CN" altLang="en-US" dirty="0"/>
+              <a:t> 技术出现而被代替了。</a:t>
+            </a:r>
           </a:p>
           <a:p>
             <a:endParaRPr lang="en-US" altLang="zh-CN" dirty="0"/>
           </a:p>
           <a:p>
             <a:r>
+              <a:rPr lang="en-US" altLang="zh-CN" dirty="0"/>
+              <a:t>2024</a:t>
+            </a:r>
+            <a:r>
               <a:rPr lang="zh-CN" altLang="en-US" dirty="0"/>
-              <a:t>因为深度学习算法后面的发展越来越快，直接碾压其他机器学习算法，因此现在谈到的</a:t>
-            </a:r>
-            <a:r>
-              <a:rPr lang="en-US" altLang="zh-CN" dirty="0"/>
-              <a:t> AI </a:t>
+              <a:t>年：多模态大模型崛起，如</a:t>
+            </a:r>
+            <a:r>
+              <a:rPr lang="en" altLang="zh-CN" dirty="0"/>
+              <a:t>OpenAI</a:t>
             </a:r>
             <a:r>
               <a:rPr lang="zh-CN" altLang="en-US" dirty="0"/>
-              <a:t>算法，基本上全部都是深度学习算法，而</a:t>
-            </a:r>
-            <a:r>
-              <a:rPr lang="en-US" altLang="zh-CN" dirty="0"/>
-              <a:t> AI </a:t>
+              <a:t>推出的</a:t>
+            </a:r>
+            <a:r>
+              <a:rPr lang="en" altLang="zh-CN" dirty="0"/>
+              <a:t>ChatGPT-4o</a:t>
+            </a:r>
+            <a:r>
+              <a:rPr lang="zh-CN" altLang="en" dirty="0"/>
+              <a:t>，</a:t>
             </a:r>
             <a:r>
               <a:rPr lang="zh-CN" altLang="en-US" dirty="0"/>
-              <a:t>已经成为了深度学习的代名词了。</a:t>
+              <a:t>能够实时处理和生成文本、音频等多种模态的数据。这一技术的发展为</a:t>
+            </a:r>
+            <a:r>
+              <a:rPr lang="en" altLang="zh-CN" dirty="0"/>
+              <a:t>AI</a:t>
+            </a:r>
+            <a:r>
+              <a:rPr lang="zh-CN" altLang="en-US" dirty="0"/>
+              <a:t>在更多领域的应用提供了新的可能性，如智能教育、智能娱乐等。</a:t>
+            </a:r>
+          </a:p>
+        </p:txBody>
+      </p:sp>
+      <p:sp>
+        <p:nvSpPr>
+          <p:cNvPr id="2" name="文本框 1">
+            <a:extLst>
+              <a:ext uri="{FF2B5EF4-FFF2-40B4-BE49-F238E27FC236}">
+                <a16:creationId xmlns:a16="http://schemas.microsoft.com/office/drawing/2014/main" id="{9F2EBEA4-5326-A7D7-A6C0-D18887675E62}"/>
+              </a:ext>
+            </a:extLst>
+          </p:cNvPr>
+          <p:cNvSpPr txBox="1"/>
+          <p:nvPr/>
+        </p:nvSpPr>
+        <p:spPr>
+          <a:xfrm>
+            <a:off x="2433145" y="1111979"/>
+            <a:ext cx="8271640" cy="276999"/>
+          </a:xfrm>
+          <a:prstGeom prst="rect">
+            <a:avLst/>
+          </a:prstGeom>
+          <a:noFill/>
+        </p:spPr>
+        <p:txBody>
+          <a:bodyPr wrap="square">
+            <a:spAutoFit/>
+          </a:bodyPr>
+          <a:lstStyle/>
+          <a:p>
+            <a:r>
+              <a:rPr lang="zh-CN" altLang="en-US" sz="1200" dirty="0">
+                <a:solidFill>
+                  <a:srgbClr val="0432FF"/>
+                </a:solidFill>
+              </a:rPr>
+              <a:t>https://www.youtube.com/watch?v=OFS90-FX6pg&amp;t=950s&amp;pp=ygUNT3BlbkFJIEdQVC0xIA%3D%3D</a:t>
+            </a:r>
+          </a:p>
+        </p:txBody>
+      </p:sp>
+      <p:sp>
+        <p:nvSpPr>
+          <p:cNvPr id="6" name="文本框 5">
+            <a:extLst>
+              <a:ext uri="{FF2B5EF4-FFF2-40B4-BE49-F238E27FC236}">
+                <a16:creationId xmlns:a16="http://schemas.microsoft.com/office/drawing/2014/main" id="{619A40A4-3559-22A2-447B-8DA358B4E6D8}"/>
+              </a:ext>
+            </a:extLst>
+          </p:cNvPr>
+          <p:cNvSpPr txBox="1"/>
+          <p:nvPr/>
+        </p:nvSpPr>
+        <p:spPr>
+          <a:xfrm>
+            <a:off x="2433145" y="3523995"/>
+            <a:ext cx="8271640" cy="276999"/>
+          </a:xfrm>
+          <a:prstGeom prst="rect">
+            <a:avLst/>
+          </a:prstGeom>
+          <a:noFill/>
+        </p:spPr>
+        <p:txBody>
+          <a:bodyPr wrap="square">
+            <a:spAutoFit/>
+          </a:bodyPr>
+          <a:lstStyle/>
+          <a:p>
+            <a:r>
+              <a:rPr lang="zh-CN" altLang="en-US" sz="1200" dirty="0">
+                <a:solidFill>
+                  <a:srgbClr val="0432FF"/>
+                </a:solidFill>
+              </a:rPr>
+              <a:t>https://www.youtube.com/watch?v=jay7kise3PI&amp;pp=ygURT3BlbkFJIENoYXRHUFQtNG8%3D</a:t>
             </a:r>
           </a:p>
         </p:txBody>
@@ -34504,7 +36600,7 @@
     </p:spTree>
     <p:extLst>
       <p:ext uri="{BB962C8B-B14F-4D97-AF65-F5344CB8AC3E}">
-        <p14:creationId xmlns:p14="http://schemas.microsoft.com/office/powerpoint/2010/main" val="919758185"/>
+        <p14:creationId xmlns:p14="http://schemas.microsoft.com/office/powerpoint/2010/main" val="947474586"/>
       </p:ext>
     </p:extLst>
   </p:cSld>
@@ -34655,10 +36751,16 @@
               <a:t>AI</a:t>
             </a:r>
             <a:r>
+              <a:rPr lang="zh-CN" altLang="en-US">
+                <a:latin typeface="Lexend" pitchFamily="2" charset="0"/>
+              </a:rPr>
+              <a:t> 芯片与</a:t>
+            </a:r>
+            <a:r>
               <a:rPr lang="zh-CN" altLang="en-US" dirty="0">
                 <a:latin typeface="Lexend" pitchFamily="2" charset="0"/>
               </a:rPr>
-              <a:t> 算力与硬件发展</a:t>
+              <a:t>硬件发展</a:t>
             </a:r>
             <a:endParaRPr lang="en-US" altLang="zh-CN" dirty="0">
               <a:latin typeface="Lexend" pitchFamily="2" charset="0"/>
@@ -34702,7 +36804,7 @@
           <p:cNvPr id="6" name="标题 5">
             <a:extLst>
               <a:ext uri="{FF2B5EF4-FFF2-40B4-BE49-F238E27FC236}">
-                <a16:creationId xmlns:a16="http://schemas.microsoft.com/office/drawing/2014/main" id="{6C6337F5-1440-A042-DEC5-96FB3C7AB8C4}"/>
+                <a16:creationId xmlns:a16="http://schemas.microsoft.com/office/drawing/2014/main" id="{18B46FFF-EF87-5AD0-DB0C-15F09637D538}"/>
               </a:ext>
             </a:extLst>
           </p:cNvPr>
@@ -34730,7 +36832,7 @@
           <p:cNvPr id="5" name="内容占位符 4">
             <a:extLst>
               <a:ext uri="{FF2B5EF4-FFF2-40B4-BE49-F238E27FC236}">
-                <a16:creationId xmlns:a16="http://schemas.microsoft.com/office/drawing/2014/main" id="{110E9744-4E0C-B457-1751-9CAD72C72080}"/>
+                <a16:creationId xmlns:a16="http://schemas.microsoft.com/office/drawing/2014/main" id="{FED5EB34-9717-56A7-CFC9-575F38BC4E5B}"/>
               </a:ext>
             </a:extLst>
           </p:cNvPr>
@@ -34752,40 +36854,8 @@
           <a:lstStyle/>
           <a:p>
             <a:r>
-              <a:rPr lang="en-US" altLang="zh-CN" dirty="0"/>
-              <a:t>2016</a:t>
-            </a:r>
-            <a:r>
               <a:rPr lang="zh-CN" altLang="en-US" dirty="0"/>
-              <a:t>年：</a:t>
-            </a:r>
-            <a:r>
-              <a:rPr lang="en" altLang="zh-CN" dirty="0"/>
-              <a:t>Google</a:t>
-            </a:r>
-            <a:r>
-              <a:rPr lang="zh-CN" altLang="en-US" dirty="0"/>
-              <a:t> 发布了专为机器学习设计的张量处理单元（</a:t>
-            </a:r>
-            <a:r>
-              <a:rPr lang="en" altLang="zh-CN" dirty="0"/>
-              <a:t>TPU</a:t>
-            </a:r>
-            <a:r>
-              <a:rPr lang="zh-CN" altLang="en" dirty="0"/>
-              <a:t>），</a:t>
-            </a:r>
-            <a:r>
-              <a:rPr lang="zh-CN" altLang="en-US" dirty="0"/>
-              <a:t>用于加速神经网络的推理和训练。</a:t>
-            </a:r>
-            <a:r>
-              <a:rPr lang="en" altLang="zh-CN" dirty="0"/>
-              <a:t>TPU</a:t>
-            </a:r>
-            <a:r>
-              <a:rPr lang="zh-CN" altLang="en-US" dirty="0"/>
-              <a:t> 显著提升了 </a:t>
+              <a:t>过去十年，全球科技巨头在 </a:t>
             </a:r>
             <a:r>
               <a:rPr lang="en" altLang="zh-CN" dirty="0"/>
@@ -34793,23 +36863,7 @@
             </a:r>
             <a:r>
               <a:rPr lang="zh-CN" altLang="en-US" dirty="0"/>
-              <a:t> 模型的训练效率，尤其是在 </a:t>
-            </a:r>
-            <a:r>
-              <a:rPr lang="en" altLang="zh-CN" dirty="0"/>
-              <a:t>AlphaGo</a:t>
-            </a:r>
-            <a:r>
-              <a:rPr lang="zh-CN" altLang="en-US" dirty="0"/>
-              <a:t> 击败李世石的比赛中作为云服务器的执行硬件发挥了关键作用。</a:t>
-            </a:r>
-            <a:r>
-              <a:rPr lang="en" altLang="zh-CN" dirty="0"/>
-              <a:t> TPU</a:t>
-            </a:r>
-            <a:r>
-              <a:rPr lang="zh-CN" altLang="en-US" dirty="0"/>
-              <a:t> 的推出标志着 </a:t>
+              <a:t> 芯片领域的竞争加剧，推动了技术的快速迭代和成本的降低，</a:t>
             </a:r>
             <a:r>
               <a:rPr lang="en" altLang="zh-CN" dirty="0"/>
@@ -34817,15 +36871,7 @@
             </a:r>
             <a:r>
               <a:rPr lang="zh-CN" altLang="en-US" dirty="0"/>
-              <a:t> 专用芯片的崛起，为后续 </a:t>
-            </a:r>
-            <a:r>
-              <a:rPr lang="en" altLang="zh-CN" dirty="0"/>
-              <a:t>AI</a:t>
-            </a:r>
-            <a:r>
-              <a:rPr lang="zh-CN" altLang="en-US" dirty="0"/>
-              <a:t> 芯片的设计提供了重要参考，包括国产的昇腾、寒武纪、壁仞、遂源等。</a:t>
+              <a:t> 芯片逐渐成为科技行业的核心竞争力。</a:t>
             </a:r>
           </a:p>
           <a:p>
@@ -34833,92 +36879,12 @@
           </a:p>
           <a:p>
             <a:r>
-              <a:rPr lang="en-US" altLang="zh-CN" dirty="0"/>
-              <a:t>2017</a:t>
-            </a:r>
-            <a:r>
-              <a:rPr lang="zh-CN" altLang="en-US" dirty="0"/>
-              <a:t>年：</a:t>
-            </a:r>
-            <a:r>
-              <a:rPr lang="en" altLang="zh-CN" dirty="0"/>
-              <a:t>NVIDIA Volta</a:t>
-            </a:r>
-            <a:r>
-              <a:rPr lang="zh-CN" altLang="en-US" dirty="0"/>
-              <a:t> 架构发布与 </a:t>
-            </a:r>
-            <a:r>
               <a:rPr lang="en" altLang="zh-CN" dirty="0"/>
               <a:t>AI</a:t>
             </a:r>
             <a:r>
               <a:rPr lang="zh-CN" altLang="en-US" dirty="0"/>
-              <a:t> 芯片元年。</a:t>
-            </a:r>
-            <a:r>
-              <a:rPr lang="en" altLang="zh-CN" dirty="0"/>
-              <a:t>NVIDIA</a:t>
-            </a:r>
-            <a:r>
-              <a:rPr lang="zh-CN" altLang="en-US" dirty="0"/>
-              <a:t> 发布了 </a:t>
-            </a:r>
-            <a:r>
-              <a:rPr lang="en" altLang="zh-CN" dirty="0"/>
-              <a:t>Volta</a:t>
-            </a:r>
-            <a:r>
-              <a:rPr lang="zh-CN" altLang="en-US" dirty="0"/>
-              <a:t> 架构的</a:t>
-            </a:r>
-            <a:r>
-              <a:rPr lang="en" altLang="zh-CN" dirty="0"/>
-              <a:t>GPU</a:t>
-            </a:r>
-            <a:r>
-              <a:rPr lang="zh-CN" altLang="en-US" dirty="0"/>
-              <a:t> </a:t>
-            </a:r>
-            <a:r>
-              <a:rPr lang="en-US" altLang="zh-CN" dirty="0"/>
-              <a:t>V100</a:t>
-            </a:r>
-            <a:r>
-              <a:rPr lang="zh-CN" altLang="en" dirty="0"/>
-              <a:t>，</a:t>
-            </a:r>
-            <a:r>
-              <a:rPr lang="zh-CN" altLang="en-US" dirty="0"/>
-              <a:t>首次引入 </a:t>
-            </a:r>
-            <a:r>
-              <a:rPr lang="en" altLang="zh-CN" dirty="0"/>
-              <a:t>Tensor Core</a:t>
-            </a:r>
-            <a:r>
-              <a:rPr lang="zh-CN" altLang="en" dirty="0"/>
-              <a:t>，</a:t>
-            </a:r>
-            <a:r>
-              <a:rPr lang="zh-CN" altLang="en-US" dirty="0"/>
-              <a:t>专门优化深度学习任务中的矩阵运算。</a:t>
-            </a:r>
-            <a:r>
-              <a:rPr lang="en" altLang="zh-CN" dirty="0"/>
-              <a:t>NVIDIA</a:t>
-            </a:r>
-            <a:r>
-              <a:rPr lang="zh-CN" altLang="en-US" dirty="0"/>
-              <a:t> 也凭借其 </a:t>
-            </a:r>
-            <a:r>
-              <a:rPr lang="en" altLang="zh-CN" dirty="0"/>
-              <a:t>GPU</a:t>
-            </a:r>
-            <a:r>
-              <a:rPr lang="zh-CN" altLang="en-US" dirty="0"/>
-              <a:t> 在 </a:t>
+              <a:t> 芯片和硬件的发展从专用芯片的崛起到边缘计算的普及，再到量子计算的探索，展现了技术的多样化和应用的广泛性。随着 </a:t>
             </a:r>
             <a:r>
               <a:rPr lang="en" altLang="zh-CN" dirty="0"/>
@@ -34926,7 +36892,7 @@
             </a:r>
             <a:r>
               <a:rPr lang="zh-CN" altLang="en-US" dirty="0"/>
-              <a:t> 芯片市场的领先地位，成为 </a:t>
+              <a:t> 技术的进一步发展，芯片和硬件继续扮演关键角色，推动 </a:t>
             </a:r>
             <a:r>
               <a:rPr lang="en" altLang="zh-CN" dirty="0"/>
@@ -34934,49 +36900,19 @@
             </a:r>
             <a:r>
               <a:rPr lang="zh-CN" altLang="en-US" dirty="0"/>
-              <a:t> 硬件领域的核心供应商。</a:t>
-            </a:r>
-            <a:r>
-              <a:rPr lang="en-US" altLang="zh-CN" dirty="0"/>
-              <a:t> </a:t>
-            </a:r>
-          </a:p>
-          <a:p>
-            <a:r>
+              <a:t> 在更多领域的落地和应用。</a:t>
+            </a:r>
+            <a:br>
               <a:rPr lang="zh-CN" altLang="en-US" dirty="0"/>
-              <a:t>同时期，因为 </a:t>
-            </a:r>
-            <a:r>
-              <a:rPr lang="en-US" altLang="zh-CN" dirty="0"/>
-              <a:t>2017</a:t>
-            </a:r>
-            <a:r>
-              <a:rPr lang="zh-CN" altLang="en-US" dirty="0"/>
-              <a:t> 年各大科技公司纷纷布局</a:t>
-            </a:r>
-            <a:r>
-              <a:rPr lang="en" altLang="zh-CN" dirty="0"/>
-              <a:t>AI</a:t>
-            </a:r>
-            <a:r>
-              <a:rPr lang="zh-CN" altLang="en-US" dirty="0"/>
-              <a:t>芯片，因此也被称为“</a:t>
-            </a:r>
-            <a:r>
-              <a:rPr lang="en" altLang="zh-CN" dirty="0"/>
-              <a:t>AI</a:t>
-            </a:r>
-            <a:r>
-              <a:rPr lang="zh-CN" altLang="en-US" dirty="0"/>
-              <a:t>芯片元年”。</a:t>
-            </a:r>
+            </a:br>
+            <a:endParaRPr lang="zh-CN" altLang="en-US" dirty="0"/>
           </a:p>
         </p:txBody>
       </p:sp>
     </p:spTree>
     <p:extLst>
       <p:ext uri="{BB962C8B-B14F-4D97-AF65-F5344CB8AC3E}">
-        <p14:creationId xmlns:p14="http://schemas.microsoft.com/office/powerpoint/2010/main" val="1155874535"/>
+        <p14:creationId xmlns:p14="http://schemas.microsoft.com/office/powerpoint/2010/main" val="3729502309"/>
       </p:ext>
     </p:extLst>
   </p:cSld>
